--- a/Notebooks/English/05 - Active Directory/05 - Exercise - Assign users to Azure Active Directory groups - Learn  Microsoft Docs.pptx
+++ b/Notebooks/English/05 - Active Directory/05 - Exercise - Assign users to Azure Active Directory groups - Learn  Microsoft Docs.pptx
@@ -1,20 +1,25 @@
 
 <file path=ppt/presentation.xml><?xml version="1.0" encoding="utf-8"?>
-<p:presentation xmlns:a="http://schemas.openxmlformats.org/drawingml/2006/main" xmlns:r="http://schemas.openxmlformats.org/officeDocument/2006/relationships" xmlns:p="http://schemas.openxmlformats.org/presentationml/2006/main" saveSubsetFonts="1" autoCompressPictures="0">
+<p:presentation xmlns:a="http://schemas.openxmlformats.org/drawingml/2006/main" xmlns:p="http://schemas.openxmlformats.org/presentationml/2006/main" xmlns:r="http://schemas.openxmlformats.org/officeDocument/2006/relationships" autoCompressPictures="0" saveSubsetFonts="1">
   <p:sldMasterIdLst>
     <p:sldMasterId id="2147483648" r:id="rId1"/>
   </p:sldMasterIdLst>
   <p:sldIdLst>
-    <p:sldId id="256" r:id="rId7"/>
+    <p:sldId id="256" r:id="rId2"/>
+    <p:sldId id="257" r:id="rId3"/>
+    <p:sldId id="258" r:id="rId4"/>
+    <p:sldId id="259" r:id="rId5"/>
+    <p:sldId id="260" r:id="rId6"/>
+    <p:sldId id="261" r:id="rId7"/>
   </p:sldIdLst>
-  <p:sldSz cx="9144000" cy="6858000" type="screen4x3"/>
+  <p:sldSz cx="9144000" cy="5143500" type="screen16x9"/>
   <p:notesSz cx="6858000" cy="9144000"/>
   <p:defaultTextStyle>
     <a:defPPr>
       <a:defRPr lang="en-US"/>
     </a:defPPr>
-    <a:lvl1pPr marL="0" algn="l" defTabSz="457200" rtl="0" eaLnBrk="1" latinLnBrk="0" hangingPunct="1">
-      <a:defRPr sz="1800" kern="1200">
+    <a:lvl1pPr algn="l" defTabSz="457200" eaLnBrk="1" hangingPunct="1" latinLnBrk="0" marL="0" rtl="0">
+      <a:defRPr kern="1200" sz="1800">
         <a:solidFill>
           <a:schemeClr val="tx1"/>
         </a:solidFill>
@@ -23,8 +28,8 @@
         <a:cs typeface="+mn-cs"/>
       </a:defRPr>
     </a:lvl1pPr>
-    <a:lvl2pPr marL="457200" algn="l" defTabSz="457200" rtl="0" eaLnBrk="1" latinLnBrk="0" hangingPunct="1">
-      <a:defRPr sz="1800" kern="1200">
+    <a:lvl2pPr algn="l" defTabSz="457200" eaLnBrk="1" hangingPunct="1" latinLnBrk="0" marL="457200" rtl="0">
+      <a:defRPr kern="1200" sz="1800">
         <a:solidFill>
           <a:schemeClr val="tx1"/>
         </a:solidFill>
@@ -33,8 +38,8 @@
         <a:cs typeface="+mn-cs"/>
       </a:defRPr>
     </a:lvl2pPr>
-    <a:lvl3pPr marL="914400" algn="l" defTabSz="457200" rtl="0" eaLnBrk="1" latinLnBrk="0" hangingPunct="1">
-      <a:defRPr sz="1800" kern="1200">
+    <a:lvl3pPr algn="l" defTabSz="457200" eaLnBrk="1" hangingPunct="1" latinLnBrk="0" marL="914400" rtl="0">
+      <a:defRPr kern="1200" sz="1800">
         <a:solidFill>
           <a:schemeClr val="tx1"/>
         </a:solidFill>
@@ -43,8 +48,8 @@
         <a:cs typeface="+mn-cs"/>
       </a:defRPr>
     </a:lvl3pPr>
-    <a:lvl4pPr marL="1371600" algn="l" defTabSz="457200" rtl="0" eaLnBrk="1" latinLnBrk="0" hangingPunct="1">
-      <a:defRPr sz="1800" kern="1200">
+    <a:lvl4pPr algn="l" defTabSz="457200" eaLnBrk="1" hangingPunct="1" latinLnBrk="0" marL="1371600" rtl="0">
+      <a:defRPr kern="1200" sz="1800">
         <a:solidFill>
           <a:schemeClr val="tx1"/>
         </a:solidFill>
@@ -53,8 +58,8 @@
         <a:cs typeface="+mn-cs"/>
       </a:defRPr>
     </a:lvl4pPr>
-    <a:lvl5pPr marL="1828800" algn="l" defTabSz="457200" rtl="0" eaLnBrk="1" latinLnBrk="0" hangingPunct="1">
-      <a:defRPr sz="1800" kern="1200">
+    <a:lvl5pPr algn="l" defTabSz="457200" eaLnBrk="1" hangingPunct="1" latinLnBrk="0" marL="1828800" rtl="0">
+      <a:defRPr kern="1200" sz="1800">
         <a:solidFill>
           <a:schemeClr val="tx1"/>
         </a:solidFill>
@@ -63,8 +68,8 @@
         <a:cs typeface="+mn-cs"/>
       </a:defRPr>
     </a:lvl5pPr>
-    <a:lvl6pPr marL="2286000" algn="l" defTabSz="457200" rtl="0" eaLnBrk="1" latinLnBrk="0" hangingPunct="1">
-      <a:defRPr sz="1800" kern="1200">
+    <a:lvl6pPr algn="l" defTabSz="457200" eaLnBrk="1" hangingPunct="1" latinLnBrk="0" marL="2286000" rtl="0">
+      <a:defRPr kern="1200" sz="1800">
         <a:solidFill>
           <a:schemeClr val="tx1"/>
         </a:solidFill>
@@ -73,8 +78,8 @@
         <a:cs typeface="+mn-cs"/>
       </a:defRPr>
     </a:lvl6pPr>
-    <a:lvl7pPr marL="2743200" algn="l" defTabSz="457200" rtl="0" eaLnBrk="1" latinLnBrk="0" hangingPunct="1">
-      <a:defRPr sz="1800" kern="1200">
+    <a:lvl7pPr algn="l" defTabSz="457200" eaLnBrk="1" hangingPunct="1" latinLnBrk="0" marL="2743200" rtl="0">
+      <a:defRPr kern="1200" sz="1800">
         <a:solidFill>
           <a:schemeClr val="tx1"/>
         </a:solidFill>
@@ -83,8 +88,8 @@
         <a:cs typeface="+mn-cs"/>
       </a:defRPr>
     </a:lvl7pPr>
-    <a:lvl8pPr marL="3200400" algn="l" defTabSz="457200" rtl="0" eaLnBrk="1" latinLnBrk="0" hangingPunct="1">
-      <a:defRPr sz="1800" kern="1200">
+    <a:lvl8pPr algn="l" defTabSz="457200" eaLnBrk="1" hangingPunct="1" latinLnBrk="0" marL="3200400" rtl="0">
+      <a:defRPr kern="1200" sz="1800">
         <a:solidFill>
           <a:schemeClr val="tx1"/>
         </a:solidFill>
@@ -93,8 +98,8 @@
         <a:cs typeface="+mn-cs"/>
       </a:defRPr>
     </a:lvl8pPr>
-    <a:lvl9pPr marL="3657600" algn="l" defTabSz="457200" rtl="0" eaLnBrk="1" latinLnBrk="0" hangingPunct="1">
-      <a:defRPr sz="1800" kern="1200">
+    <a:lvl9pPr algn="l" defTabSz="457200" eaLnBrk="1" hangingPunct="1" latinLnBrk="0" marL="3657600" rtl="0">
+      <a:defRPr kern="1200" sz="1800">
         <a:solidFill>
           <a:schemeClr val="tx1"/>
         </a:solidFill>
@@ -104,6 +109,22 @@
       </a:defRPr>
     </a:lvl9pPr>
   </p:defaultTextStyle>
+  <p:extLst>
+    <p:ext uri="{EFAFB233-063F-42B5-8137-9DF3F51BA10A}">
+      <p15:sldGuideLst xmlns:p15="http://schemas.microsoft.com/office/powerpoint/2012/main">
+        <p15:guide id="1" orient="horz" pos="1620" userDrawn="1">
+          <p15:clr>
+            <a:srgbClr val="A4A3A4"/>
+          </p15:clr>
+        </p15:guide>
+        <p15:guide id="2" pos="2880" userDrawn="1">
+          <p15:clr>
+            <a:srgbClr val="A4A3A4"/>
+          </p15:clr>
+        </p15:guide>
+      </p15:sldGuideLst>
+    </p:ext>
+  </p:extLst>
 </p:presentation>
 </file>
 
@@ -136,8 +157,8 @@
         </p:nvSpPr>
         <p:spPr>
           <a:xfrm>
-            <a:off x="685800" y="2130425"/>
-            <a:ext cx="7772400" cy="1470025"/>
+            <a:off x="685800" y="1597819"/>
+            <a:ext cx="7772400" cy="1102519"/>
           </a:xfrm>
         </p:spPr>
         <p:txBody>
@@ -145,10 +166,9 @@
           <a:lstStyle/>
           <a:p>
             <a:r>
-              <a:rPr lang="en-US" smtClean="0"/>
+              <a:rPr lang="en-US"/>
               <a:t>Click to edit Master title style</a:t>
             </a:r>
-            <a:endParaRPr lang="en-US"/>
           </a:p>
         </p:txBody>
       </p:sp>
@@ -164,8 +184,8 @@
         </p:nvSpPr>
         <p:spPr>
           <a:xfrm>
-            <a:off x="1371600" y="3886200"/>
-            <a:ext cx="6400800" cy="1752600"/>
+            <a:off x="1371600" y="2914650"/>
+            <a:ext cx="6400800" cy="1314450"/>
           </a:xfrm>
         </p:spPr>
         <p:txBody>
@@ -181,7 +201,7 @@
                 </a:solidFill>
               </a:defRPr>
             </a:lvl1pPr>
-            <a:lvl2pPr marL="457200" indent="0" algn="ctr">
+            <a:lvl2pPr marL="342900" indent="0" algn="ctr">
               <a:buNone/>
               <a:defRPr>
                 <a:solidFill>
@@ -191,7 +211,7 @@
                 </a:solidFill>
               </a:defRPr>
             </a:lvl2pPr>
-            <a:lvl3pPr marL="914400" indent="0" algn="ctr">
+            <a:lvl3pPr marL="685800" indent="0" algn="ctr">
               <a:buNone/>
               <a:defRPr>
                 <a:solidFill>
@@ -201,7 +221,7 @@
                 </a:solidFill>
               </a:defRPr>
             </a:lvl3pPr>
-            <a:lvl4pPr marL="1371600" indent="0" algn="ctr">
+            <a:lvl4pPr marL="1028700" indent="0" algn="ctr">
               <a:buNone/>
               <a:defRPr>
                 <a:solidFill>
@@ -211,7 +231,7 @@
                 </a:solidFill>
               </a:defRPr>
             </a:lvl4pPr>
-            <a:lvl5pPr marL="1828800" indent="0" algn="ctr">
+            <a:lvl5pPr marL="1371600" indent="0" algn="ctr">
               <a:buNone/>
               <a:defRPr>
                 <a:solidFill>
@@ -221,7 +241,7 @@
                 </a:solidFill>
               </a:defRPr>
             </a:lvl5pPr>
-            <a:lvl6pPr marL="2286000" indent="0" algn="ctr">
+            <a:lvl6pPr marL="1714500" indent="0" algn="ctr">
               <a:buNone/>
               <a:defRPr>
                 <a:solidFill>
@@ -231,7 +251,7 @@
                 </a:solidFill>
               </a:defRPr>
             </a:lvl6pPr>
-            <a:lvl7pPr marL="2743200" indent="0" algn="ctr">
+            <a:lvl7pPr marL="2057400" indent="0" algn="ctr">
               <a:buNone/>
               <a:defRPr>
                 <a:solidFill>
@@ -241,7 +261,7 @@
                 </a:solidFill>
               </a:defRPr>
             </a:lvl7pPr>
-            <a:lvl8pPr marL="3200400" indent="0" algn="ctr">
+            <a:lvl8pPr marL="2400300" indent="0" algn="ctr">
               <a:buNone/>
               <a:defRPr>
                 <a:solidFill>
@@ -251,7 +271,7 @@
                 </a:solidFill>
               </a:defRPr>
             </a:lvl8pPr>
-            <a:lvl9pPr marL="3657600" indent="0" algn="ctr">
+            <a:lvl9pPr marL="2743200" indent="0" algn="ctr">
               <a:buNone/>
               <a:defRPr>
                 <a:solidFill>
@@ -264,31 +284,30 @@
           </a:lstStyle>
           <a:p>
             <a:r>
+              <a:rPr lang="en-US"/>
+              <a:t>Click to edit Master subtitle style</a:t>
+            </a:r>
+          </a:p>
+        </p:txBody>
+      </p:sp>
+      <p:sp>
+        <p:nvSpPr>
+          <p:cNvPr id="4" name="Date Placeholder 3"/>
+          <p:cNvSpPr>
+            <a:spLocks noGrp="1"/>
+          </p:cNvSpPr>
+          <p:nvPr>
+            <p:ph type="dt" sz="half" idx="10"/>
+          </p:nvPr>
+        </p:nvSpPr>
+        <p:spPr/>
+        <p:txBody>
+          <a:bodyPr/>
+          <a:lstStyle/>
+          <a:p>
+            <a:fld id="{241EB5C9-1307-BA42-ABA2-0BC069CD8E7F}" type="datetimeFigureOut">
               <a:rPr lang="en-US" smtClean="0"/>
-              <a:t>Click to edit Master subtitle style</a:t>
-            </a:r>
-            <a:endParaRPr lang="en-US"/>
-          </a:p>
-        </p:txBody>
-      </p:sp>
-      <p:sp>
-        <p:nvSpPr>
-          <p:cNvPr id="4" name="Date Placeholder 3"/>
-          <p:cNvSpPr>
-            <a:spLocks noGrp="1"/>
-          </p:cNvSpPr>
-          <p:nvPr>
-            <p:ph type="dt" sz="half" idx="10"/>
-          </p:nvPr>
-        </p:nvSpPr>
-        <p:spPr/>
-        <p:txBody>
-          <a:bodyPr/>
-          <a:lstStyle/>
-          <a:p>
-            <a:fld id="{5BCAD085-E8A6-8845-BD4E-CB4CCA059FC4}" type="datetimeFigureOut">
-              <a:rPr lang="en-US" smtClean="0"/>
-              <a:t>1/27/13</a:t>
+              <a:t>1/2/22</a:t>
             </a:fld>
             <a:endParaRPr lang="en-US"/>
           </a:p>
@@ -328,7 +347,7 @@
           <a:bodyPr/>
           <a:lstStyle/>
           <a:p>
-            <a:fld id="{C1FF6DA9-008F-8B48-92A6-B652298478BF}" type="slidenum">
+            <a:fld id="{C5EF2332-01BF-834F-8236-50238282D533}" type="slidenum">
               <a:rPr lang="en-US" smtClean="0"/>
               <a:t>‹#›</a:t>
             </a:fld>
@@ -339,7 +358,7 @@
     </p:spTree>
     <p:extLst>
       <p:ext uri="{BB962C8B-B14F-4D97-AF65-F5344CB8AC3E}">
-        <p14:creationId xmlns:p14="http://schemas.microsoft.com/office/powerpoint/2010/main" val="3168075583"/>
+        <p14:creationId xmlns:p14="http://schemas.microsoft.com/office/powerpoint/2010/main" val="1444357513"/>
       </p:ext>
     </p:extLst>
   </p:cSld>
@@ -382,83 +401,81 @@
           <a:lstStyle/>
           <a:p>
             <a:r>
+              <a:rPr lang="en-US"/>
+              <a:t>Click to edit Master title style</a:t>
+            </a:r>
+          </a:p>
+        </p:txBody>
+      </p:sp>
+      <p:sp>
+        <p:nvSpPr>
+          <p:cNvPr id="3" name="Vertical Text Placeholder 2"/>
+          <p:cNvSpPr>
+            <a:spLocks noGrp="1"/>
+          </p:cNvSpPr>
+          <p:nvPr>
+            <p:ph type="body" orient="vert" idx="1"/>
+          </p:nvPr>
+        </p:nvSpPr>
+        <p:spPr/>
+        <p:txBody>
+          <a:bodyPr vert="eaVert"/>
+          <a:lstStyle/>
+          <a:p>
+            <a:pPr lvl="0"/>
+            <a:r>
+              <a:rPr lang="en-US"/>
+              <a:t>Click to edit Master text styles</a:t>
+            </a:r>
+          </a:p>
+          <a:p>
+            <a:pPr lvl="1"/>
+            <a:r>
+              <a:rPr lang="en-US"/>
+              <a:t>Second level</a:t>
+            </a:r>
+          </a:p>
+          <a:p>
+            <a:pPr lvl="2"/>
+            <a:r>
+              <a:rPr lang="en-US"/>
+              <a:t>Third level</a:t>
+            </a:r>
+          </a:p>
+          <a:p>
+            <a:pPr lvl="3"/>
+            <a:r>
+              <a:rPr lang="en-US"/>
+              <a:t>Fourth level</a:t>
+            </a:r>
+          </a:p>
+          <a:p>
+            <a:pPr lvl="4"/>
+            <a:r>
+              <a:rPr lang="en-US"/>
+              <a:t>Fifth level</a:t>
+            </a:r>
+          </a:p>
+        </p:txBody>
+      </p:sp>
+      <p:sp>
+        <p:nvSpPr>
+          <p:cNvPr id="4" name="Date Placeholder 3"/>
+          <p:cNvSpPr>
+            <a:spLocks noGrp="1"/>
+          </p:cNvSpPr>
+          <p:nvPr>
+            <p:ph type="dt" sz="half" idx="10"/>
+          </p:nvPr>
+        </p:nvSpPr>
+        <p:spPr/>
+        <p:txBody>
+          <a:bodyPr/>
+          <a:lstStyle/>
+          <a:p>
+            <a:fld id="{241EB5C9-1307-BA42-ABA2-0BC069CD8E7F}" type="datetimeFigureOut">
               <a:rPr lang="en-US" smtClean="0"/>
-              <a:t>Click to edit Master title style</a:t>
-            </a:r>
-            <a:endParaRPr lang="en-US"/>
-          </a:p>
-        </p:txBody>
-      </p:sp>
-      <p:sp>
-        <p:nvSpPr>
-          <p:cNvPr id="3" name="Vertical Text Placeholder 2"/>
-          <p:cNvSpPr>
-            <a:spLocks noGrp="1"/>
-          </p:cNvSpPr>
-          <p:nvPr>
-            <p:ph type="body" orient="vert" idx="1"/>
-          </p:nvPr>
-        </p:nvSpPr>
-        <p:spPr/>
-        <p:txBody>
-          <a:bodyPr vert="eaVert"/>
-          <a:lstStyle/>
-          <a:p>
-            <a:pPr lvl="0"/>
-            <a:r>
-              <a:rPr lang="en-US" smtClean="0"/>
-              <a:t>Click to edit Master text styles</a:t>
-            </a:r>
-          </a:p>
-          <a:p>
-            <a:pPr lvl="1"/>
-            <a:r>
-              <a:rPr lang="en-US" smtClean="0"/>
-              <a:t>Second level</a:t>
-            </a:r>
-          </a:p>
-          <a:p>
-            <a:pPr lvl="2"/>
-            <a:r>
-              <a:rPr lang="en-US" smtClean="0"/>
-              <a:t>Third level</a:t>
-            </a:r>
-          </a:p>
-          <a:p>
-            <a:pPr lvl="3"/>
-            <a:r>
-              <a:rPr lang="en-US" smtClean="0"/>
-              <a:t>Fourth level</a:t>
-            </a:r>
-          </a:p>
-          <a:p>
-            <a:pPr lvl="4"/>
-            <a:r>
-              <a:rPr lang="en-US" smtClean="0"/>
-              <a:t>Fifth level</a:t>
-            </a:r>
-            <a:endParaRPr lang="en-US"/>
-          </a:p>
-        </p:txBody>
-      </p:sp>
-      <p:sp>
-        <p:nvSpPr>
-          <p:cNvPr id="4" name="Date Placeholder 3"/>
-          <p:cNvSpPr>
-            <a:spLocks noGrp="1"/>
-          </p:cNvSpPr>
-          <p:nvPr>
-            <p:ph type="dt" sz="half" idx="10"/>
-          </p:nvPr>
-        </p:nvSpPr>
-        <p:spPr/>
-        <p:txBody>
-          <a:bodyPr/>
-          <a:lstStyle/>
-          <a:p>
-            <a:fld id="{5BCAD085-E8A6-8845-BD4E-CB4CCA059FC4}" type="datetimeFigureOut">
-              <a:rPr lang="en-US" smtClean="0"/>
-              <a:t>1/27/13</a:t>
+              <a:t>1/2/22</a:t>
             </a:fld>
             <a:endParaRPr lang="en-US"/>
           </a:p>
@@ -498,7 +515,7 @@
           <a:bodyPr/>
           <a:lstStyle/>
           <a:p>
-            <a:fld id="{C1FF6DA9-008F-8B48-92A6-B652298478BF}" type="slidenum">
+            <a:fld id="{C5EF2332-01BF-834F-8236-50238282D533}" type="slidenum">
               <a:rPr lang="en-US" smtClean="0"/>
               <a:t>‹#›</a:t>
             </a:fld>
@@ -509,7 +526,7 @@
     </p:spTree>
     <p:extLst>
       <p:ext uri="{BB962C8B-B14F-4D97-AF65-F5344CB8AC3E}">
-        <p14:creationId xmlns:p14="http://schemas.microsoft.com/office/powerpoint/2010/main" val="2910927964"/>
+        <p14:creationId xmlns:p14="http://schemas.microsoft.com/office/powerpoint/2010/main" val="313914798"/>
       </p:ext>
     </p:extLst>
   </p:cSld>
@@ -548,8 +565,8 @@
         </p:nvSpPr>
         <p:spPr>
           <a:xfrm>
-            <a:off x="6629400" y="274638"/>
-            <a:ext cx="2057400" cy="5851525"/>
+            <a:off x="6629400" y="205979"/>
+            <a:ext cx="2057400" cy="4388644"/>
           </a:xfrm>
         </p:spPr>
         <p:txBody>
@@ -557,10 +574,9 @@
           <a:lstStyle/>
           <a:p>
             <a:r>
-              <a:rPr lang="en-US" smtClean="0"/>
+              <a:rPr lang="en-US"/>
               <a:t>Click to edit Master title style</a:t>
             </a:r>
-            <a:endParaRPr lang="en-US"/>
           </a:p>
         </p:txBody>
       </p:sp>
@@ -576,8 +592,8 @@
         </p:nvSpPr>
         <p:spPr>
           <a:xfrm>
-            <a:off x="457200" y="274638"/>
-            <a:ext cx="6019800" cy="5851525"/>
+            <a:off x="457200" y="205979"/>
+            <a:ext cx="6019800" cy="4388644"/>
           </a:xfrm>
         </p:spPr>
         <p:txBody>
@@ -586,59 +602,58 @@
           <a:p>
             <a:pPr lvl="0"/>
             <a:r>
+              <a:rPr lang="en-US"/>
+              <a:t>Click to edit Master text styles</a:t>
+            </a:r>
+          </a:p>
+          <a:p>
+            <a:pPr lvl="1"/>
+            <a:r>
+              <a:rPr lang="en-US"/>
+              <a:t>Second level</a:t>
+            </a:r>
+          </a:p>
+          <a:p>
+            <a:pPr lvl="2"/>
+            <a:r>
+              <a:rPr lang="en-US"/>
+              <a:t>Third level</a:t>
+            </a:r>
+          </a:p>
+          <a:p>
+            <a:pPr lvl="3"/>
+            <a:r>
+              <a:rPr lang="en-US"/>
+              <a:t>Fourth level</a:t>
+            </a:r>
+          </a:p>
+          <a:p>
+            <a:pPr lvl="4"/>
+            <a:r>
+              <a:rPr lang="en-US"/>
+              <a:t>Fifth level</a:t>
+            </a:r>
+          </a:p>
+        </p:txBody>
+      </p:sp>
+      <p:sp>
+        <p:nvSpPr>
+          <p:cNvPr id="4" name="Date Placeholder 3"/>
+          <p:cNvSpPr>
+            <a:spLocks noGrp="1"/>
+          </p:cNvSpPr>
+          <p:nvPr>
+            <p:ph type="dt" sz="half" idx="10"/>
+          </p:nvPr>
+        </p:nvSpPr>
+        <p:spPr/>
+        <p:txBody>
+          <a:bodyPr/>
+          <a:lstStyle/>
+          <a:p>
+            <a:fld id="{241EB5C9-1307-BA42-ABA2-0BC069CD8E7F}" type="datetimeFigureOut">
               <a:rPr lang="en-US" smtClean="0"/>
-              <a:t>Click to edit Master text styles</a:t>
-            </a:r>
-          </a:p>
-          <a:p>
-            <a:pPr lvl="1"/>
-            <a:r>
-              <a:rPr lang="en-US" smtClean="0"/>
-              <a:t>Second level</a:t>
-            </a:r>
-          </a:p>
-          <a:p>
-            <a:pPr lvl="2"/>
-            <a:r>
-              <a:rPr lang="en-US" smtClean="0"/>
-              <a:t>Third level</a:t>
-            </a:r>
-          </a:p>
-          <a:p>
-            <a:pPr lvl="3"/>
-            <a:r>
-              <a:rPr lang="en-US" smtClean="0"/>
-              <a:t>Fourth level</a:t>
-            </a:r>
-          </a:p>
-          <a:p>
-            <a:pPr lvl="4"/>
-            <a:r>
-              <a:rPr lang="en-US" smtClean="0"/>
-              <a:t>Fifth level</a:t>
-            </a:r>
-            <a:endParaRPr lang="en-US"/>
-          </a:p>
-        </p:txBody>
-      </p:sp>
-      <p:sp>
-        <p:nvSpPr>
-          <p:cNvPr id="4" name="Date Placeholder 3"/>
-          <p:cNvSpPr>
-            <a:spLocks noGrp="1"/>
-          </p:cNvSpPr>
-          <p:nvPr>
-            <p:ph type="dt" sz="half" idx="10"/>
-          </p:nvPr>
-        </p:nvSpPr>
-        <p:spPr/>
-        <p:txBody>
-          <a:bodyPr/>
-          <a:lstStyle/>
-          <a:p>
-            <a:fld id="{5BCAD085-E8A6-8845-BD4E-CB4CCA059FC4}" type="datetimeFigureOut">
-              <a:rPr lang="en-US" smtClean="0"/>
-              <a:t>1/27/13</a:t>
+              <a:t>1/2/22</a:t>
             </a:fld>
             <a:endParaRPr lang="en-US"/>
           </a:p>
@@ -678,7 +693,7 @@
           <a:bodyPr/>
           <a:lstStyle/>
           <a:p>
-            <a:fld id="{C1FF6DA9-008F-8B48-92A6-B652298478BF}" type="slidenum">
+            <a:fld id="{C5EF2332-01BF-834F-8236-50238282D533}" type="slidenum">
               <a:rPr lang="en-US" smtClean="0"/>
               <a:t>‹#›</a:t>
             </a:fld>
@@ -689,7 +704,7 @@
     </p:spTree>
     <p:extLst>
       <p:ext uri="{BB962C8B-B14F-4D97-AF65-F5344CB8AC3E}">
-        <p14:creationId xmlns:p14="http://schemas.microsoft.com/office/powerpoint/2010/main" val="3612223792"/>
+        <p14:creationId xmlns:p14="http://schemas.microsoft.com/office/powerpoint/2010/main" val="2581529045"/>
       </p:ext>
     </p:extLst>
   </p:cSld>
@@ -732,83 +747,81 @@
           <a:lstStyle/>
           <a:p>
             <a:r>
+              <a:rPr lang="en-US"/>
+              <a:t>Click to edit Master title style</a:t>
+            </a:r>
+          </a:p>
+        </p:txBody>
+      </p:sp>
+      <p:sp>
+        <p:nvSpPr>
+          <p:cNvPr id="3" name="Content Placeholder 2"/>
+          <p:cNvSpPr>
+            <a:spLocks noGrp="1"/>
+          </p:cNvSpPr>
+          <p:nvPr>
+            <p:ph idx="1"/>
+          </p:nvPr>
+        </p:nvSpPr>
+        <p:spPr/>
+        <p:txBody>
+          <a:bodyPr/>
+          <a:lstStyle/>
+          <a:p>
+            <a:pPr lvl="0"/>
+            <a:r>
+              <a:rPr lang="en-US"/>
+              <a:t>Click to edit Master text styles</a:t>
+            </a:r>
+          </a:p>
+          <a:p>
+            <a:pPr lvl="1"/>
+            <a:r>
+              <a:rPr lang="en-US"/>
+              <a:t>Second level</a:t>
+            </a:r>
+          </a:p>
+          <a:p>
+            <a:pPr lvl="2"/>
+            <a:r>
+              <a:rPr lang="en-US"/>
+              <a:t>Third level</a:t>
+            </a:r>
+          </a:p>
+          <a:p>
+            <a:pPr lvl="3"/>
+            <a:r>
+              <a:rPr lang="en-US"/>
+              <a:t>Fourth level</a:t>
+            </a:r>
+          </a:p>
+          <a:p>
+            <a:pPr lvl="4"/>
+            <a:r>
+              <a:rPr lang="en-US"/>
+              <a:t>Fifth level</a:t>
+            </a:r>
+          </a:p>
+        </p:txBody>
+      </p:sp>
+      <p:sp>
+        <p:nvSpPr>
+          <p:cNvPr id="4" name="Date Placeholder 3"/>
+          <p:cNvSpPr>
+            <a:spLocks noGrp="1"/>
+          </p:cNvSpPr>
+          <p:nvPr>
+            <p:ph type="dt" sz="half" idx="10"/>
+          </p:nvPr>
+        </p:nvSpPr>
+        <p:spPr/>
+        <p:txBody>
+          <a:bodyPr/>
+          <a:lstStyle/>
+          <a:p>
+            <a:fld id="{241EB5C9-1307-BA42-ABA2-0BC069CD8E7F}" type="datetimeFigureOut">
               <a:rPr lang="en-US" smtClean="0"/>
-              <a:t>Click to edit Master title style</a:t>
-            </a:r>
-            <a:endParaRPr lang="en-US"/>
-          </a:p>
-        </p:txBody>
-      </p:sp>
-      <p:sp>
-        <p:nvSpPr>
-          <p:cNvPr id="3" name="Content Placeholder 2"/>
-          <p:cNvSpPr>
-            <a:spLocks noGrp="1"/>
-          </p:cNvSpPr>
-          <p:nvPr>
-            <p:ph idx="1"/>
-          </p:nvPr>
-        </p:nvSpPr>
-        <p:spPr/>
-        <p:txBody>
-          <a:bodyPr/>
-          <a:lstStyle/>
-          <a:p>
-            <a:pPr lvl="0"/>
-            <a:r>
-              <a:rPr lang="en-US" smtClean="0"/>
-              <a:t>Click to edit Master text styles</a:t>
-            </a:r>
-          </a:p>
-          <a:p>
-            <a:pPr lvl="1"/>
-            <a:r>
-              <a:rPr lang="en-US" smtClean="0"/>
-              <a:t>Second level</a:t>
-            </a:r>
-          </a:p>
-          <a:p>
-            <a:pPr lvl="2"/>
-            <a:r>
-              <a:rPr lang="en-US" smtClean="0"/>
-              <a:t>Third level</a:t>
-            </a:r>
-          </a:p>
-          <a:p>
-            <a:pPr lvl="3"/>
-            <a:r>
-              <a:rPr lang="en-US" smtClean="0"/>
-              <a:t>Fourth level</a:t>
-            </a:r>
-          </a:p>
-          <a:p>
-            <a:pPr lvl="4"/>
-            <a:r>
-              <a:rPr lang="en-US" smtClean="0"/>
-              <a:t>Fifth level</a:t>
-            </a:r>
-            <a:endParaRPr lang="en-US"/>
-          </a:p>
-        </p:txBody>
-      </p:sp>
-      <p:sp>
-        <p:nvSpPr>
-          <p:cNvPr id="4" name="Date Placeholder 3"/>
-          <p:cNvSpPr>
-            <a:spLocks noGrp="1"/>
-          </p:cNvSpPr>
-          <p:nvPr>
-            <p:ph type="dt" sz="half" idx="10"/>
-          </p:nvPr>
-        </p:nvSpPr>
-        <p:spPr/>
-        <p:txBody>
-          <a:bodyPr/>
-          <a:lstStyle/>
-          <a:p>
-            <a:fld id="{5BCAD085-E8A6-8845-BD4E-CB4CCA059FC4}" type="datetimeFigureOut">
-              <a:rPr lang="en-US" smtClean="0"/>
-              <a:t>1/27/13</a:t>
+              <a:t>1/2/22</a:t>
             </a:fld>
             <a:endParaRPr lang="en-US"/>
           </a:p>
@@ -848,7 +861,7 @@
           <a:bodyPr/>
           <a:lstStyle/>
           <a:p>
-            <a:fld id="{C1FF6DA9-008F-8B48-92A6-B652298478BF}" type="slidenum">
+            <a:fld id="{C5EF2332-01BF-834F-8236-50238282D533}" type="slidenum">
               <a:rPr lang="en-US" smtClean="0"/>
               <a:t>‹#›</a:t>
             </a:fld>
@@ -859,7 +872,7 @@
     </p:spTree>
     <p:extLst>
       <p:ext uri="{BB962C8B-B14F-4D97-AF65-F5344CB8AC3E}">
-        <p14:creationId xmlns:p14="http://schemas.microsoft.com/office/powerpoint/2010/main" val="2614314258"/>
+        <p14:creationId xmlns:p14="http://schemas.microsoft.com/office/powerpoint/2010/main" val="338346009"/>
       </p:ext>
     </p:extLst>
   </p:cSld>
@@ -898,23 +911,22 @@
         </p:nvSpPr>
         <p:spPr>
           <a:xfrm>
-            <a:off x="722313" y="4406900"/>
-            <a:ext cx="7772400" cy="1362075"/>
+            <a:off x="722313" y="3305176"/>
+            <a:ext cx="7772400" cy="1021556"/>
           </a:xfrm>
         </p:spPr>
         <p:txBody>
           <a:bodyPr anchor="t"/>
           <a:lstStyle>
             <a:lvl1pPr algn="l">
-              <a:defRPr sz="4000" b="1" cap="all"/>
+              <a:defRPr sz="3000" b="1" cap="all"/>
             </a:lvl1pPr>
           </a:lstStyle>
           <a:p>
             <a:r>
-              <a:rPr lang="en-US" smtClean="0"/>
+              <a:rPr lang="en-US"/>
               <a:t>Click to edit Master title style</a:t>
             </a:r>
-            <a:endParaRPr lang="en-US"/>
           </a:p>
         </p:txBody>
       </p:sp>
@@ -930,8 +942,8 @@
         </p:nvSpPr>
         <p:spPr>
           <a:xfrm>
-            <a:off x="722313" y="2906713"/>
-            <a:ext cx="7772400" cy="1500187"/>
+            <a:off x="722313" y="2180035"/>
+            <a:ext cx="7772400" cy="1125140"/>
           </a:xfrm>
         </p:spPr>
         <p:txBody>
@@ -939,7 +951,7 @@
           <a:lstStyle>
             <a:lvl1pPr marL="0" indent="0">
               <a:buNone/>
-              <a:defRPr sz="2000">
+              <a:defRPr sz="1500">
                 <a:solidFill>
                   <a:schemeClr val="tx1">
                     <a:tint val="75000"/>
@@ -947,9 +959,9 @@
                 </a:solidFill>
               </a:defRPr>
             </a:lvl1pPr>
-            <a:lvl2pPr marL="457200" indent="0">
-              <a:buNone/>
-              <a:defRPr sz="1800">
+            <a:lvl2pPr marL="342900" indent="0">
+              <a:buNone/>
+              <a:defRPr sz="1350">
                 <a:solidFill>
                   <a:schemeClr val="tx1">
                     <a:tint val="75000"/>
@@ -957,9 +969,9 @@
                 </a:solidFill>
               </a:defRPr>
             </a:lvl2pPr>
-            <a:lvl3pPr marL="914400" indent="0">
-              <a:buNone/>
-              <a:defRPr sz="1600">
+            <a:lvl3pPr marL="685800" indent="0">
+              <a:buNone/>
+              <a:defRPr sz="1200">
                 <a:solidFill>
                   <a:schemeClr val="tx1">
                     <a:tint val="75000"/>
@@ -967,9 +979,9 @@
                 </a:solidFill>
               </a:defRPr>
             </a:lvl3pPr>
-            <a:lvl4pPr marL="1371600" indent="0">
-              <a:buNone/>
-              <a:defRPr sz="1400">
+            <a:lvl4pPr marL="1028700" indent="0">
+              <a:buNone/>
+              <a:defRPr sz="1050">
                 <a:solidFill>
                   <a:schemeClr val="tx1">
                     <a:tint val="75000"/>
@@ -977,9 +989,9 @@
                 </a:solidFill>
               </a:defRPr>
             </a:lvl4pPr>
-            <a:lvl5pPr marL="1828800" indent="0">
-              <a:buNone/>
-              <a:defRPr sz="1400">
+            <a:lvl5pPr marL="1371600" indent="0">
+              <a:buNone/>
+              <a:defRPr sz="1050">
                 <a:solidFill>
                   <a:schemeClr val="tx1">
                     <a:tint val="75000"/>
@@ -987,9 +999,9 @@
                 </a:solidFill>
               </a:defRPr>
             </a:lvl5pPr>
-            <a:lvl6pPr marL="2286000" indent="0">
-              <a:buNone/>
-              <a:defRPr sz="1400">
+            <a:lvl6pPr marL="1714500" indent="0">
+              <a:buNone/>
+              <a:defRPr sz="1050">
                 <a:solidFill>
                   <a:schemeClr val="tx1">
                     <a:tint val="75000"/>
@@ -997,9 +1009,9 @@
                 </a:solidFill>
               </a:defRPr>
             </a:lvl6pPr>
-            <a:lvl7pPr marL="2743200" indent="0">
-              <a:buNone/>
-              <a:defRPr sz="1400">
+            <a:lvl7pPr marL="2057400" indent="0">
+              <a:buNone/>
+              <a:defRPr sz="1050">
                 <a:solidFill>
                   <a:schemeClr val="tx1">
                     <a:tint val="75000"/>
@@ -1007,9 +1019,9 @@
                 </a:solidFill>
               </a:defRPr>
             </a:lvl7pPr>
-            <a:lvl8pPr marL="3200400" indent="0">
-              <a:buNone/>
-              <a:defRPr sz="1400">
+            <a:lvl8pPr marL="2400300" indent="0">
+              <a:buNone/>
+              <a:defRPr sz="1050">
                 <a:solidFill>
                   <a:schemeClr val="tx1">
                     <a:tint val="75000"/>
@@ -1017,9 +1029,9 @@
                 </a:solidFill>
               </a:defRPr>
             </a:lvl8pPr>
-            <a:lvl9pPr marL="3657600" indent="0">
-              <a:buNone/>
-              <a:defRPr sz="1400">
+            <a:lvl9pPr marL="2743200" indent="0">
+              <a:buNone/>
+              <a:defRPr sz="1050">
                 <a:solidFill>
                   <a:schemeClr val="tx1">
                     <a:tint val="75000"/>
@@ -1031,30 +1043,30 @@
           <a:p>
             <a:pPr lvl="0"/>
             <a:r>
+              <a:rPr lang="en-US"/>
+              <a:t>Click to edit Master text styles</a:t>
+            </a:r>
+          </a:p>
+        </p:txBody>
+      </p:sp>
+      <p:sp>
+        <p:nvSpPr>
+          <p:cNvPr id="4" name="Date Placeholder 3"/>
+          <p:cNvSpPr>
+            <a:spLocks noGrp="1"/>
+          </p:cNvSpPr>
+          <p:nvPr>
+            <p:ph type="dt" sz="half" idx="10"/>
+          </p:nvPr>
+        </p:nvSpPr>
+        <p:spPr/>
+        <p:txBody>
+          <a:bodyPr/>
+          <a:lstStyle/>
+          <a:p>
+            <a:fld id="{241EB5C9-1307-BA42-ABA2-0BC069CD8E7F}" type="datetimeFigureOut">
               <a:rPr lang="en-US" smtClean="0"/>
-              <a:t>Click to edit Master text styles</a:t>
-            </a:r>
-          </a:p>
-        </p:txBody>
-      </p:sp>
-      <p:sp>
-        <p:nvSpPr>
-          <p:cNvPr id="4" name="Date Placeholder 3"/>
-          <p:cNvSpPr>
-            <a:spLocks noGrp="1"/>
-          </p:cNvSpPr>
-          <p:nvPr>
-            <p:ph type="dt" sz="half" idx="10"/>
-          </p:nvPr>
-        </p:nvSpPr>
-        <p:spPr/>
-        <p:txBody>
-          <a:bodyPr/>
-          <a:lstStyle/>
-          <a:p>
-            <a:fld id="{5BCAD085-E8A6-8845-BD4E-CB4CCA059FC4}" type="datetimeFigureOut">
-              <a:rPr lang="en-US" smtClean="0"/>
-              <a:t>1/27/13</a:t>
+              <a:t>1/2/22</a:t>
             </a:fld>
             <a:endParaRPr lang="en-US"/>
           </a:p>
@@ -1094,7 +1106,7 @@
           <a:bodyPr/>
           <a:lstStyle/>
           <a:p>
-            <a:fld id="{C1FF6DA9-008F-8B48-92A6-B652298478BF}" type="slidenum">
+            <a:fld id="{C5EF2332-01BF-834F-8236-50238282D533}" type="slidenum">
               <a:rPr lang="en-US" smtClean="0"/>
               <a:t>‹#›</a:t>
             </a:fld>
@@ -1105,7 +1117,7 @@
     </p:spTree>
     <p:extLst>
       <p:ext uri="{BB962C8B-B14F-4D97-AF65-F5344CB8AC3E}">
-        <p14:creationId xmlns:p14="http://schemas.microsoft.com/office/powerpoint/2010/main" val="960648375"/>
+        <p14:creationId xmlns:p14="http://schemas.microsoft.com/office/powerpoint/2010/main" val="1073069076"/>
       </p:ext>
     </p:extLst>
   </p:cSld>
@@ -1148,10 +1160,9 @@
           <a:lstStyle/>
           <a:p>
             <a:r>
-              <a:rPr lang="en-US" smtClean="0"/>
+              <a:rPr lang="en-US"/>
               <a:t>Click to edit Master title style</a:t>
             </a:r>
-            <a:endParaRPr lang="en-US"/>
           </a:p>
         </p:txBody>
       </p:sp>
@@ -1167,76 +1178,75 @@
         </p:nvSpPr>
         <p:spPr>
           <a:xfrm>
-            <a:off x="457200" y="1600200"/>
-            <a:ext cx="4038600" cy="4525963"/>
+            <a:off x="457200" y="1200151"/>
+            <a:ext cx="4038600" cy="3394472"/>
           </a:xfrm>
         </p:spPr>
         <p:txBody>
           <a:bodyPr/>
           <a:lstStyle>
             <a:lvl1pPr>
-              <a:defRPr sz="2800"/>
+              <a:defRPr sz="2100"/>
             </a:lvl1pPr>
             <a:lvl2pPr>
-              <a:defRPr sz="2400"/>
+              <a:defRPr sz="1800"/>
             </a:lvl2pPr>
             <a:lvl3pPr>
-              <a:defRPr sz="2000"/>
+              <a:defRPr sz="1500"/>
             </a:lvl3pPr>
             <a:lvl4pPr>
-              <a:defRPr sz="1800"/>
+              <a:defRPr sz="1350"/>
             </a:lvl4pPr>
             <a:lvl5pPr>
-              <a:defRPr sz="1800"/>
+              <a:defRPr sz="1350"/>
             </a:lvl5pPr>
             <a:lvl6pPr>
-              <a:defRPr sz="1800"/>
+              <a:defRPr sz="1350"/>
             </a:lvl6pPr>
             <a:lvl7pPr>
-              <a:defRPr sz="1800"/>
+              <a:defRPr sz="1350"/>
             </a:lvl7pPr>
             <a:lvl8pPr>
-              <a:defRPr sz="1800"/>
+              <a:defRPr sz="1350"/>
             </a:lvl8pPr>
             <a:lvl9pPr>
-              <a:defRPr sz="1800"/>
+              <a:defRPr sz="1350"/>
             </a:lvl9pPr>
           </a:lstStyle>
           <a:p>
             <a:pPr lvl="0"/>
             <a:r>
-              <a:rPr lang="en-US" smtClean="0"/>
+              <a:rPr lang="en-US"/>
               <a:t>Click to edit Master text styles</a:t>
             </a:r>
           </a:p>
           <a:p>
             <a:pPr lvl="1"/>
             <a:r>
-              <a:rPr lang="en-US" smtClean="0"/>
+              <a:rPr lang="en-US"/>
               <a:t>Second level</a:t>
             </a:r>
           </a:p>
           <a:p>
             <a:pPr lvl="2"/>
             <a:r>
-              <a:rPr lang="en-US" smtClean="0"/>
+              <a:rPr lang="en-US"/>
               <a:t>Third level</a:t>
             </a:r>
           </a:p>
           <a:p>
             <a:pPr lvl="3"/>
             <a:r>
-              <a:rPr lang="en-US" smtClean="0"/>
+              <a:rPr lang="en-US"/>
               <a:t>Fourth level</a:t>
             </a:r>
           </a:p>
           <a:p>
             <a:pPr lvl="4"/>
             <a:r>
-              <a:rPr lang="en-US" smtClean="0"/>
+              <a:rPr lang="en-US"/>
               <a:t>Fifth level</a:t>
             </a:r>
-            <a:endParaRPr lang="en-US"/>
           </a:p>
         </p:txBody>
       </p:sp>
@@ -1252,97 +1262,96 @@
         </p:nvSpPr>
         <p:spPr>
           <a:xfrm>
-            <a:off x="4648200" y="1600200"/>
-            <a:ext cx="4038600" cy="4525963"/>
+            <a:off x="4648200" y="1200151"/>
+            <a:ext cx="4038600" cy="3394472"/>
           </a:xfrm>
         </p:spPr>
         <p:txBody>
           <a:bodyPr/>
           <a:lstStyle>
             <a:lvl1pPr>
-              <a:defRPr sz="2800"/>
+              <a:defRPr sz="2100"/>
             </a:lvl1pPr>
             <a:lvl2pPr>
-              <a:defRPr sz="2400"/>
+              <a:defRPr sz="1800"/>
             </a:lvl2pPr>
             <a:lvl3pPr>
-              <a:defRPr sz="2000"/>
+              <a:defRPr sz="1500"/>
             </a:lvl3pPr>
             <a:lvl4pPr>
-              <a:defRPr sz="1800"/>
+              <a:defRPr sz="1350"/>
             </a:lvl4pPr>
             <a:lvl5pPr>
-              <a:defRPr sz="1800"/>
+              <a:defRPr sz="1350"/>
             </a:lvl5pPr>
             <a:lvl6pPr>
-              <a:defRPr sz="1800"/>
+              <a:defRPr sz="1350"/>
             </a:lvl6pPr>
             <a:lvl7pPr>
-              <a:defRPr sz="1800"/>
+              <a:defRPr sz="1350"/>
             </a:lvl7pPr>
             <a:lvl8pPr>
-              <a:defRPr sz="1800"/>
+              <a:defRPr sz="1350"/>
             </a:lvl8pPr>
             <a:lvl9pPr>
-              <a:defRPr sz="1800"/>
+              <a:defRPr sz="1350"/>
             </a:lvl9pPr>
           </a:lstStyle>
           <a:p>
             <a:pPr lvl="0"/>
             <a:r>
+              <a:rPr lang="en-US"/>
+              <a:t>Click to edit Master text styles</a:t>
+            </a:r>
+          </a:p>
+          <a:p>
+            <a:pPr lvl="1"/>
+            <a:r>
+              <a:rPr lang="en-US"/>
+              <a:t>Second level</a:t>
+            </a:r>
+          </a:p>
+          <a:p>
+            <a:pPr lvl="2"/>
+            <a:r>
+              <a:rPr lang="en-US"/>
+              <a:t>Third level</a:t>
+            </a:r>
+          </a:p>
+          <a:p>
+            <a:pPr lvl="3"/>
+            <a:r>
+              <a:rPr lang="en-US"/>
+              <a:t>Fourth level</a:t>
+            </a:r>
+          </a:p>
+          <a:p>
+            <a:pPr lvl="4"/>
+            <a:r>
+              <a:rPr lang="en-US"/>
+              <a:t>Fifth level</a:t>
+            </a:r>
+          </a:p>
+        </p:txBody>
+      </p:sp>
+      <p:sp>
+        <p:nvSpPr>
+          <p:cNvPr id="5" name="Date Placeholder 4"/>
+          <p:cNvSpPr>
+            <a:spLocks noGrp="1"/>
+          </p:cNvSpPr>
+          <p:nvPr>
+            <p:ph type="dt" sz="half" idx="10"/>
+          </p:nvPr>
+        </p:nvSpPr>
+        <p:spPr/>
+        <p:txBody>
+          <a:bodyPr/>
+          <a:lstStyle/>
+          <a:p>
+            <a:fld id="{241EB5C9-1307-BA42-ABA2-0BC069CD8E7F}" type="datetimeFigureOut">
               <a:rPr lang="en-US" smtClean="0"/>
-              <a:t>Click to edit Master text styles</a:t>
-            </a:r>
-          </a:p>
-          <a:p>
-            <a:pPr lvl="1"/>
-            <a:r>
-              <a:rPr lang="en-US" smtClean="0"/>
-              <a:t>Second level</a:t>
-            </a:r>
-          </a:p>
-          <a:p>
-            <a:pPr lvl="2"/>
-            <a:r>
-              <a:rPr lang="en-US" smtClean="0"/>
-              <a:t>Third level</a:t>
-            </a:r>
-          </a:p>
-          <a:p>
-            <a:pPr lvl="3"/>
-            <a:r>
-              <a:rPr lang="en-US" smtClean="0"/>
-              <a:t>Fourth level</a:t>
-            </a:r>
-          </a:p>
-          <a:p>
-            <a:pPr lvl="4"/>
-            <a:r>
-              <a:rPr lang="en-US" smtClean="0"/>
-              <a:t>Fifth level</a:t>
-            </a:r>
-            <a:endParaRPr lang="en-US"/>
-          </a:p>
-        </p:txBody>
-      </p:sp>
-      <p:sp>
-        <p:nvSpPr>
-          <p:cNvPr id="5" name="Date Placeholder 4"/>
-          <p:cNvSpPr>
-            <a:spLocks noGrp="1"/>
-          </p:cNvSpPr>
-          <p:nvPr>
-            <p:ph type="dt" sz="half" idx="10"/>
-          </p:nvPr>
-        </p:nvSpPr>
-        <p:spPr/>
-        <p:txBody>
-          <a:bodyPr/>
-          <a:lstStyle/>
-          <a:p>
-            <a:fld id="{5BCAD085-E8A6-8845-BD4E-CB4CCA059FC4}" type="datetimeFigureOut">
-              <a:rPr lang="en-US" smtClean="0"/>
-              <a:t>1/27/13</a:t>
+              <a:t>1/2/22</a:t>
             </a:fld>
             <a:endParaRPr lang="en-US"/>
           </a:p>
@@ -1382,7 +1391,7 @@
           <a:bodyPr/>
           <a:lstStyle/>
           <a:p>
-            <a:fld id="{C1FF6DA9-008F-8B48-92A6-B652298478BF}" type="slidenum">
+            <a:fld id="{C5EF2332-01BF-834F-8236-50238282D533}" type="slidenum">
               <a:rPr lang="en-US" smtClean="0"/>
               <a:t>‹#›</a:t>
             </a:fld>
@@ -1393,7 +1402,7 @@
     </p:spTree>
     <p:extLst>
       <p:ext uri="{BB962C8B-B14F-4D97-AF65-F5344CB8AC3E}">
-        <p14:creationId xmlns:p14="http://schemas.microsoft.com/office/powerpoint/2010/main" val="2782244947"/>
+        <p14:creationId xmlns:p14="http://schemas.microsoft.com/office/powerpoint/2010/main" val="2619886245"/>
       </p:ext>
     </p:extLst>
   </p:cSld>
@@ -1440,10 +1449,9 @@
           </a:lstStyle>
           <a:p>
             <a:r>
-              <a:rPr lang="en-US" smtClean="0"/>
+              <a:rPr lang="en-US"/>
               <a:t>Click to edit Master title style</a:t>
             </a:r>
-            <a:endParaRPr lang="en-US"/>
           </a:p>
         </p:txBody>
       </p:sp>
@@ -1459,8 +1467,8 @@
         </p:nvSpPr>
         <p:spPr>
           <a:xfrm>
-            <a:off x="457200" y="1535113"/>
-            <a:ext cx="4040188" cy="639762"/>
+            <a:off x="457200" y="1151335"/>
+            <a:ext cx="4040188" cy="479822"/>
           </a:xfrm>
         </p:spPr>
         <p:txBody>
@@ -1468,45 +1476,45 @@
           <a:lstStyle>
             <a:lvl1pPr marL="0" indent="0">
               <a:buNone/>
-              <a:defRPr sz="2400" b="1"/>
+              <a:defRPr sz="1800" b="1"/>
             </a:lvl1pPr>
-            <a:lvl2pPr marL="457200" indent="0">
-              <a:buNone/>
-              <a:defRPr sz="2000" b="1"/>
+            <a:lvl2pPr marL="342900" indent="0">
+              <a:buNone/>
+              <a:defRPr sz="1500" b="1"/>
             </a:lvl2pPr>
-            <a:lvl3pPr marL="914400" indent="0">
-              <a:buNone/>
-              <a:defRPr sz="1800" b="1"/>
+            <a:lvl3pPr marL="685800" indent="0">
+              <a:buNone/>
+              <a:defRPr sz="1350" b="1"/>
             </a:lvl3pPr>
-            <a:lvl4pPr marL="1371600" indent="0">
-              <a:buNone/>
-              <a:defRPr sz="1600" b="1"/>
+            <a:lvl4pPr marL="1028700" indent="0">
+              <a:buNone/>
+              <a:defRPr sz="1200" b="1"/>
             </a:lvl4pPr>
-            <a:lvl5pPr marL="1828800" indent="0">
-              <a:buNone/>
-              <a:defRPr sz="1600" b="1"/>
+            <a:lvl5pPr marL="1371600" indent="0">
+              <a:buNone/>
+              <a:defRPr sz="1200" b="1"/>
             </a:lvl5pPr>
-            <a:lvl6pPr marL="2286000" indent="0">
-              <a:buNone/>
-              <a:defRPr sz="1600" b="1"/>
+            <a:lvl6pPr marL="1714500" indent="0">
+              <a:buNone/>
+              <a:defRPr sz="1200" b="1"/>
             </a:lvl6pPr>
-            <a:lvl7pPr marL="2743200" indent="0">
-              <a:buNone/>
-              <a:defRPr sz="1600" b="1"/>
+            <a:lvl7pPr marL="2057400" indent="0">
+              <a:buNone/>
+              <a:defRPr sz="1200" b="1"/>
             </a:lvl7pPr>
-            <a:lvl8pPr marL="3200400" indent="0">
-              <a:buNone/>
-              <a:defRPr sz="1600" b="1"/>
+            <a:lvl8pPr marL="2400300" indent="0">
+              <a:buNone/>
+              <a:defRPr sz="1200" b="1"/>
             </a:lvl8pPr>
-            <a:lvl9pPr marL="3657600" indent="0">
-              <a:buNone/>
-              <a:defRPr sz="1600" b="1"/>
+            <a:lvl9pPr marL="2743200" indent="0">
+              <a:buNone/>
+              <a:defRPr sz="1200" b="1"/>
             </a:lvl9pPr>
           </a:lstStyle>
           <a:p>
             <a:pPr lvl="0"/>
             <a:r>
-              <a:rPr lang="en-US" smtClean="0"/>
+              <a:rPr lang="en-US"/>
               <a:t>Click to edit Master text styles</a:t>
             </a:r>
           </a:p>
@@ -1524,76 +1532,75 @@
         </p:nvSpPr>
         <p:spPr>
           <a:xfrm>
-            <a:off x="457200" y="2174875"/>
-            <a:ext cx="4040188" cy="3951288"/>
+            <a:off x="457200" y="1631156"/>
+            <a:ext cx="4040188" cy="2963466"/>
           </a:xfrm>
         </p:spPr>
         <p:txBody>
           <a:bodyPr/>
           <a:lstStyle>
             <a:lvl1pPr>
-              <a:defRPr sz="2400"/>
+              <a:defRPr sz="1800"/>
             </a:lvl1pPr>
             <a:lvl2pPr>
-              <a:defRPr sz="2000"/>
+              <a:defRPr sz="1500"/>
             </a:lvl2pPr>
             <a:lvl3pPr>
-              <a:defRPr sz="1800"/>
+              <a:defRPr sz="1350"/>
             </a:lvl3pPr>
             <a:lvl4pPr>
-              <a:defRPr sz="1600"/>
+              <a:defRPr sz="1200"/>
             </a:lvl4pPr>
             <a:lvl5pPr>
-              <a:defRPr sz="1600"/>
+              <a:defRPr sz="1200"/>
             </a:lvl5pPr>
             <a:lvl6pPr>
-              <a:defRPr sz="1600"/>
+              <a:defRPr sz="1200"/>
             </a:lvl6pPr>
             <a:lvl7pPr>
-              <a:defRPr sz="1600"/>
+              <a:defRPr sz="1200"/>
             </a:lvl7pPr>
             <a:lvl8pPr>
-              <a:defRPr sz="1600"/>
+              <a:defRPr sz="1200"/>
             </a:lvl8pPr>
             <a:lvl9pPr>
-              <a:defRPr sz="1600"/>
+              <a:defRPr sz="1200"/>
             </a:lvl9pPr>
           </a:lstStyle>
           <a:p>
             <a:pPr lvl="0"/>
             <a:r>
-              <a:rPr lang="en-US" smtClean="0"/>
+              <a:rPr lang="en-US"/>
               <a:t>Click to edit Master text styles</a:t>
             </a:r>
           </a:p>
           <a:p>
             <a:pPr lvl="1"/>
             <a:r>
-              <a:rPr lang="en-US" smtClean="0"/>
+              <a:rPr lang="en-US"/>
               <a:t>Second level</a:t>
             </a:r>
           </a:p>
           <a:p>
             <a:pPr lvl="2"/>
             <a:r>
-              <a:rPr lang="en-US" smtClean="0"/>
+              <a:rPr lang="en-US"/>
               <a:t>Third level</a:t>
             </a:r>
           </a:p>
           <a:p>
             <a:pPr lvl="3"/>
             <a:r>
-              <a:rPr lang="en-US" smtClean="0"/>
+              <a:rPr lang="en-US"/>
               <a:t>Fourth level</a:t>
             </a:r>
           </a:p>
           <a:p>
             <a:pPr lvl="4"/>
             <a:r>
-              <a:rPr lang="en-US" smtClean="0"/>
+              <a:rPr lang="en-US"/>
               <a:t>Fifth level</a:t>
             </a:r>
-            <a:endParaRPr lang="en-US"/>
           </a:p>
         </p:txBody>
       </p:sp>
@@ -1609,8 +1616,8 @@
         </p:nvSpPr>
         <p:spPr>
           <a:xfrm>
-            <a:off x="4645025" y="1535113"/>
-            <a:ext cx="4041775" cy="639762"/>
+            <a:off x="4645026" y="1151335"/>
+            <a:ext cx="4041775" cy="479822"/>
           </a:xfrm>
         </p:spPr>
         <p:txBody>
@@ -1618,45 +1625,45 @@
           <a:lstStyle>
             <a:lvl1pPr marL="0" indent="0">
               <a:buNone/>
-              <a:defRPr sz="2400" b="1"/>
+              <a:defRPr sz="1800" b="1"/>
             </a:lvl1pPr>
-            <a:lvl2pPr marL="457200" indent="0">
-              <a:buNone/>
-              <a:defRPr sz="2000" b="1"/>
+            <a:lvl2pPr marL="342900" indent="0">
+              <a:buNone/>
+              <a:defRPr sz="1500" b="1"/>
             </a:lvl2pPr>
-            <a:lvl3pPr marL="914400" indent="0">
-              <a:buNone/>
-              <a:defRPr sz="1800" b="1"/>
+            <a:lvl3pPr marL="685800" indent="0">
+              <a:buNone/>
+              <a:defRPr sz="1350" b="1"/>
             </a:lvl3pPr>
-            <a:lvl4pPr marL="1371600" indent="0">
-              <a:buNone/>
-              <a:defRPr sz="1600" b="1"/>
+            <a:lvl4pPr marL="1028700" indent="0">
+              <a:buNone/>
+              <a:defRPr sz="1200" b="1"/>
             </a:lvl4pPr>
-            <a:lvl5pPr marL="1828800" indent="0">
-              <a:buNone/>
-              <a:defRPr sz="1600" b="1"/>
+            <a:lvl5pPr marL="1371600" indent="0">
+              <a:buNone/>
+              <a:defRPr sz="1200" b="1"/>
             </a:lvl5pPr>
-            <a:lvl6pPr marL="2286000" indent="0">
-              <a:buNone/>
-              <a:defRPr sz="1600" b="1"/>
+            <a:lvl6pPr marL="1714500" indent="0">
+              <a:buNone/>
+              <a:defRPr sz="1200" b="1"/>
             </a:lvl6pPr>
-            <a:lvl7pPr marL="2743200" indent="0">
-              <a:buNone/>
-              <a:defRPr sz="1600" b="1"/>
+            <a:lvl7pPr marL="2057400" indent="0">
+              <a:buNone/>
+              <a:defRPr sz="1200" b="1"/>
             </a:lvl7pPr>
-            <a:lvl8pPr marL="3200400" indent="0">
-              <a:buNone/>
-              <a:defRPr sz="1600" b="1"/>
+            <a:lvl8pPr marL="2400300" indent="0">
+              <a:buNone/>
+              <a:defRPr sz="1200" b="1"/>
             </a:lvl8pPr>
-            <a:lvl9pPr marL="3657600" indent="0">
-              <a:buNone/>
-              <a:defRPr sz="1600" b="1"/>
+            <a:lvl9pPr marL="2743200" indent="0">
+              <a:buNone/>
+              <a:defRPr sz="1200" b="1"/>
             </a:lvl9pPr>
           </a:lstStyle>
           <a:p>
             <a:pPr lvl="0"/>
             <a:r>
-              <a:rPr lang="en-US" smtClean="0"/>
+              <a:rPr lang="en-US"/>
               <a:t>Click to edit Master text styles</a:t>
             </a:r>
           </a:p>
@@ -1674,97 +1681,96 @@
         </p:nvSpPr>
         <p:spPr>
           <a:xfrm>
-            <a:off x="4645025" y="2174875"/>
-            <a:ext cx="4041775" cy="3951288"/>
+            <a:off x="4645026" y="1631156"/>
+            <a:ext cx="4041775" cy="2963466"/>
           </a:xfrm>
         </p:spPr>
         <p:txBody>
           <a:bodyPr/>
           <a:lstStyle>
             <a:lvl1pPr>
-              <a:defRPr sz="2400"/>
+              <a:defRPr sz="1800"/>
             </a:lvl1pPr>
             <a:lvl2pPr>
-              <a:defRPr sz="2000"/>
+              <a:defRPr sz="1500"/>
             </a:lvl2pPr>
             <a:lvl3pPr>
-              <a:defRPr sz="1800"/>
+              <a:defRPr sz="1350"/>
             </a:lvl3pPr>
             <a:lvl4pPr>
-              <a:defRPr sz="1600"/>
+              <a:defRPr sz="1200"/>
             </a:lvl4pPr>
             <a:lvl5pPr>
-              <a:defRPr sz="1600"/>
+              <a:defRPr sz="1200"/>
             </a:lvl5pPr>
             <a:lvl6pPr>
-              <a:defRPr sz="1600"/>
+              <a:defRPr sz="1200"/>
             </a:lvl6pPr>
             <a:lvl7pPr>
-              <a:defRPr sz="1600"/>
+              <a:defRPr sz="1200"/>
             </a:lvl7pPr>
             <a:lvl8pPr>
-              <a:defRPr sz="1600"/>
+              <a:defRPr sz="1200"/>
             </a:lvl8pPr>
             <a:lvl9pPr>
-              <a:defRPr sz="1600"/>
+              <a:defRPr sz="1200"/>
             </a:lvl9pPr>
           </a:lstStyle>
           <a:p>
             <a:pPr lvl="0"/>
             <a:r>
+              <a:rPr lang="en-US"/>
+              <a:t>Click to edit Master text styles</a:t>
+            </a:r>
+          </a:p>
+          <a:p>
+            <a:pPr lvl="1"/>
+            <a:r>
+              <a:rPr lang="en-US"/>
+              <a:t>Second level</a:t>
+            </a:r>
+          </a:p>
+          <a:p>
+            <a:pPr lvl="2"/>
+            <a:r>
+              <a:rPr lang="en-US"/>
+              <a:t>Third level</a:t>
+            </a:r>
+          </a:p>
+          <a:p>
+            <a:pPr lvl="3"/>
+            <a:r>
+              <a:rPr lang="en-US"/>
+              <a:t>Fourth level</a:t>
+            </a:r>
+          </a:p>
+          <a:p>
+            <a:pPr lvl="4"/>
+            <a:r>
+              <a:rPr lang="en-US"/>
+              <a:t>Fifth level</a:t>
+            </a:r>
+          </a:p>
+        </p:txBody>
+      </p:sp>
+      <p:sp>
+        <p:nvSpPr>
+          <p:cNvPr id="7" name="Date Placeholder 6"/>
+          <p:cNvSpPr>
+            <a:spLocks noGrp="1"/>
+          </p:cNvSpPr>
+          <p:nvPr>
+            <p:ph type="dt" sz="half" idx="10"/>
+          </p:nvPr>
+        </p:nvSpPr>
+        <p:spPr/>
+        <p:txBody>
+          <a:bodyPr/>
+          <a:lstStyle/>
+          <a:p>
+            <a:fld id="{241EB5C9-1307-BA42-ABA2-0BC069CD8E7F}" type="datetimeFigureOut">
               <a:rPr lang="en-US" smtClean="0"/>
-              <a:t>Click to edit Master text styles</a:t>
-            </a:r>
-          </a:p>
-          <a:p>
-            <a:pPr lvl="1"/>
-            <a:r>
-              <a:rPr lang="en-US" smtClean="0"/>
-              <a:t>Second level</a:t>
-            </a:r>
-          </a:p>
-          <a:p>
-            <a:pPr lvl="2"/>
-            <a:r>
-              <a:rPr lang="en-US" smtClean="0"/>
-              <a:t>Third level</a:t>
-            </a:r>
-          </a:p>
-          <a:p>
-            <a:pPr lvl="3"/>
-            <a:r>
-              <a:rPr lang="en-US" smtClean="0"/>
-              <a:t>Fourth level</a:t>
-            </a:r>
-          </a:p>
-          <a:p>
-            <a:pPr lvl="4"/>
-            <a:r>
-              <a:rPr lang="en-US" smtClean="0"/>
-              <a:t>Fifth level</a:t>
-            </a:r>
-            <a:endParaRPr lang="en-US"/>
-          </a:p>
-        </p:txBody>
-      </p:sp>
-      <p:sp>
-        <p:nvSpPr>
-          <p:cNvPr id="7" name="Date Placeholder 6"/>
-          <p:cNvSpPr>
-            <a:spLocks noGrp="1"/>
-          </p:cNvSpPr>
-          <p:nvPr>
-            <p:ph type="dt" sz="half" idx="10"/>
-          </p:nvPr>
-        </p:nvSpPr>
-        <p:spPr/>
-        <p:txBody>
-          <a:bodyPr/>
-          <a:lstStyle/>
-          <a:p>
-            <a:fld id="{5BCAD085-E8A6-8845-BD4E-CB4CCA059FC4}" type="datetimeFigureOut">
-              <a:rPr lang="en-US" smtClean="0"/>
-              <a:t>1/27/13</a:t>
+              <a:t>1/2/22</a:t>
             </a:fld>
             <a:endParaRPr lang="en-US"/>
           </a:p>
@@ -1804,7 +1810,7 @@
           <a:bodyPr/>
           <a:lstStyle/>
           <a:p>
-            <a:fld id="{C1FF6DA9-008F-8B48-92A6-B652298478BF}" type="slidenum">
+            <a:fld id="{C5EF2332-01BF-834F-8236-50238282D533}" type="slidenum">
               <a:rPr lang="en-US" smtClean="0"/>
               <a:t>‹#›</a:t>
             </a:fld>
@@ -1815,7 +1821,7 @@
     </p:spTree>
     <p:extLst>
       <p:ext uri="{BB962C8B-B14F-4D97-AF65-F5344CB8AC3E}">
-        <p14:creationId xmlns:p14="http://schemas.microsoft.com/office/powerpoint/2010/main" val="990158736"/>
+        <p14:creationId xmlns:p14="http://schemas.microsoft.com/office/powerpoint/2010/main" val="2535793967"/>
       </p:ext>
     </p:extLst>
   </p:cSld>
@@ -1858,31 +1864,30 @@
           <a:lstStyle/>
           <a:p>
             <a:r>
+              <a:rPr lang="en-US"/>
+              <a:t>Click to edit Master title style</a:t>
+            </a:r>
+          </a:p>
+        </p:txBody>
+      </p:sp>
+      <p:sp>
+        <p:nvSpPr>
+          <p:cNvPr id="3" name="Date Placeholder 2"/>
+          <p:cNvSpPr>
+            <a:spLocks noGrp="1"/>
+          </p:cNvSpPr>
+          <p:nvPr>
+            <p:ph type="dt" sz="half" idx="10"/>
+          </p:nvPr>
+        </p:nvSpPr>
+        <p:spPr/>
+        <p:txBody>
+          <a:bodyPr/>
+          <a:lstStyle/>
+          <a:p>
+            <a:fld id="{241EB5C9-1307-BA42-ABA2-0BC069CD8E7F}" type="datetimeFigureOut">
               <a:rPr lang="en-US" smtClean="0"/>
-              <a:t>Click to edit Master title style</a:t>
-            </a:r>
-            <a:endParaRPr lang="en-US"/>
-          </a:p>
-        </p:txBody>
-      </p:sp>
-      <p:sp>
-        <p:nvSpPr>
-          <p:cNvPr id="3" name="Date Placeholder 2"/>
-          <p:cNvSpPr>
-            <a:spLocks noGrp="1"/>
-          </p:cNvSpPr>
-          <p:nvPr>
-            <p:ph type="dt" sz="half" idx="10"/>
-          </p:nvPr>
-        </p:nvSpPr>
-        <p:spPr/>
-        <p:txBody>
-          <a:bodyPr/>
-          <a:lstStyle/>
-          <a:p>
-            <a:fld id="{5BCAD085-E8A6-8845-BD4E-CB4CCA059FC4}" type="datetimeFigureOut">
-              <a:rPr lang="en-US" smtClean="0"/>
-              <a:t>1/27/13</a:t>
+              <a:t>1/2/22</a:t>
             </a:fld>
             <a:endParaRPr lang="en-US"/>
           </a:p>
@@ -1922,7 +1927,7 @@
           <a:bodyPr/>
           <a:lstStyle/>
           <a:p>
-            <a:fld id="{C1FF6DA9-008F-8B48-92A6-B652298478BF}" type="slidenum">
+            <a:fld id="{C5EF2332-01BF-834F-8236-50238282D533}" type="slidenum">
               <a:rPr lang="en-US" smtClean="0"/>
               <a:t>‹#›</a:t>
             </a:fld>
@@ -1933,7 +1938,7 @@
     </p:spTree>
     <p:extLst>
       <p:ext uri="{BB962C8B-B14F-4D97-AF65-F5344CB8AC3E}">
-        <p14:creationId xmlns:p14="http://schemas.microsoft.com/office/powerpoint/2010/main" val="727027711"/>
+        <p14:creationId xmlns:p14="http://schemas.microsoft.com/office/powerpoint/2010/main" val="3472721253"/>
       </p:ext>
     </p:extLst>
   </p:cSld>
@@ -1975,9 +1980,9 @@
           <a:bodyPr/>
           <a:lstStyle/>
           <a:p>
-            <a:fld id="{5BCAD085-E8A6-8845-BD4E-CB4CCA059FC4}" type="datetimeFigureOut">
+            <a:fld id="{241EB5C9-1307-BA42-ABA2-0BC069CD8E7F}" type="datetimeFigureOut">
               <a:rPr lang="en-US" smtClean="0"/>
-              <a:t>1/27/13</a:t>
+              <a:t>1/2/22</a:t>
             </a:fld>
             <a:endParaRPr lang="en-US"/>
           </a:p>
@@ -2017,7 +2022,7 @@
           <a:bodyPr/>
           <a:lstStyle/>
           <a:p>
-            <a:fld id="{C1FF6DA9-008F-8B48-92A6-B652298478BF}" type="slidenum">
+            <a:fld id="{C5EF2332-01BF-834F-8236-50238282D533}" type="slidenum">
               <a:rPr lang="en-US" smtClean="0"/>
               <a:t>‹#›</a:t>
             </a:fld>
@@ -2028,7 +2033,7 @@
     </p:spTree>
     <p:extLst>
       <p:ext uri="{BB962C8B-B14F-4D97-AF65-F5344CB8AC3E}">
-        <p14:creationId xmlns:p14="http://schemas.microsoft.com/office/powerpoint/2010/main" val="1212999818"/>
+        <p14:creationId xmlns:p14="http://schemas.microsoft.com/office/powerpoint/2010/main" val="2130901097"/>
       </p:ext>
     </p:extLst>
   </p:cSld>
@@ -2067,23 +2072,22 @@
         </p:nvSpPr>
         <p:spPr>
           <a:xfrm>
-            <a:off x="457200" y="273050"/>
-            <a:ext cx="3008313" cy="1162050"/>
+            <a:off x="457201" y="204787"/>
+            <a:ext cx="3008313" cy="871538"/>
           </a:xfrm>
         </p:spPr>
         <p:txBody>
           <a:bodyPr anchor="b"/>
           <a:lstStyle>
             <a:lvl1pPr algn="l">
-              <a:defRPr sz="2000" b="1"/>
+              <a:defRPr sz="1500" b="1"/>
             </a:lvl1pPr>
           </a:lstStyle>
           <a:p>
             <a:r>
-              <a:rPr lang="en-US" smtClean="0"/>
+              <a:rPr lang="en-US"/>
               <a:t>Click to edit Master title style</a:t>
             </a:r>
-            <a:endParaRPr lang="en-US"/>
           </a:p>
         </p:txBody>
       </p:sp>
@@ -2099,76 +2103,75 @@
         </p:nvSpPr>
         <p:spPr>
           <a:xfrm>
-            <a:off x="3575050" y="273050"/>
-            <a:ext cx="5111750" cy="5853113"/>
+            <a:off x="3575050" y="204788"/>
+            <a:ext cx="5111750" cy="4389835"/>
           </a:xfrm>
         </p:spPr>
         <p:txBody>
           <a:bodyPr/>
           <a:lstStyle>
             <a:lvl1pPr>
-              <a:defRPr sz="3200"/>
+              <a:defRPr sz="2400"/>
             </a:lvl1pPr>
             <a:lvl2pPr>
-              <a:defRPr sz="2800"/>
+              <a:defRPr sz="2100"/>
             </a:lvl2pPr>
             <a:lvl3pPr>
-              <a:defRPr sz="2400"/>
+              <a:defRPr sz="1800"/>
             </a:lvl3pPr>
             <a:lvl4pPr>
-              <a:defRPr sz="2000"/>
+              <a:defRPr sz="1500"/>
             </a:lvl4pPr>
             <a:lvl5pPr>
-              <a:defRPr sz="2000"/>
+              <a:defRPr sz="1500"/>
             </a:lvl5pPr>
             <a:lvl6pPr>
-              <a:defRPr sz="2000"/>
+              <a:defRPr sz="1500"/>
             </a:lvl6pPr>
             <a:lvl7pPr>
-              <a:defRPr sz="2000"/>
+              <a:defRPr sz="1500"/>
             </a:lvl7pPr>
             <a:lvl8pPr>
-              <a:defRPr sz="2000"/>
+              <a:defRPr sz="1500"/>
             </a:lvl8pPr>
             <a:lvl9pPr>
-              <a:defRPr sz="2000"/>
+              <a:defRPr sz="1500"/>
             </a:lvl9pPr>
           </a:lstStyle>
           <a:p>
             <a:pPr lvl="0"/>
             <a:r>
-              <a:rPr lang="en-US" smtClean="0"/>
+              <a:rPr lang="en-US"/>
               <a:t>Click to edit Master text styles</a:t>
             </a:r>
           </a:p>
           <a:p>
             <a:pPr lvl="1"/>
             <a:r>
-              <a:rPr lang="en-US" smtClean="0"/>
+              <a:rPr lang="en-US"/>
               <a:t>Second level</a:t>
             </a:r>
           </a:p>
           <a:p>
             <a:pPr lvl="2"/>
             <a:r>
-              <a:rPr lang="en-US" smtClean="0"/>
+              <a:rPr lang="en-US"/>
               <a:t>Third level</a:t>
             </a:r>
           </a:p>
           <a:p>
             <a:pPr lvl="3"/>
             <a:r>
-              <a:rPr lang="en-US" smtClean="0"/>
+              <a:rPr lang="en-US"/>
               <a:t>Fourth level</a:t>
             </a:r>
           </a:p>
           <a:p>
             <a:pPr lvl="4"/>
             <a:r>
-              <a:rPr lang="en-US" smtClean="0"/>
+              <a:rPr lang="en-US"/>
               <a:t>Fifth level</a:t>
             </a:r>
-            <a:endParaRPr lang="en-US"/>
           </a:p>
         </p:txBody>
       </p:sp>
@@ -2184,8 +2187,8 @@
         </p:nvSpPr>
         <p:spPr>
           <a:xfrm>
-            <a:off x="457200" y="1435100"/>
-            <a:ext cx="3008313" cy="4691063"/>
+            <a:off x="457201" y="1076326"/>
+            <a:ext cx="3008313" cy="3518297"/>
           </a:xfrm>
         </p:spPr>
         <p:txBody>
@@ -2193,68 +2196,68 @@
           <a:lstStyle>
             <a:lvl1pPr marL="0" indent="0">
               <a:buNone/>
-              <a:defRPr sz="1400"/>
+              <a:defRPr sz="1050"/>
             </a:lvl1pPr>
-            <a:lvl2pPr marL="457200" indent="0">
-              <a:buNone/>
-              <a:defRPr sz="1200"/>
+            <a:lvl2pPr marL="342900" indent="0">
+              <a:buNone/>
+              <a:defRPr sz="900"/>
             </a:lvl2pPr>
-            <a:lvl3pPr marL="914400" indent="0">
-              <a:buNone/>
-              <a:defRPr sz="1000"/>
+            <a:lvl3pPr marL="685800" indent="0">
+              <a:buNone/>
+              <a:defRPr sz="750"/>
             </a:lvl3pPr>
-            <a:lvl4pPr marL="1371600" indent="0">
-              <a:buNone/>
-              <a:defRPr sz="900"/>
+            <a:lvl4pPr marL="1028700" indent="0">
+              <a:buNone/>
+              <a:defRPr sz="675"/>
             </a:lvl4pPr>
-            <a:lvl5pPr marL="1828800" indent="0">
-              <a:buNone/>
-              <a:defRPr sz="900"/>
+            <a:lvl5pPr marL="1371600" indent="0">
+              <a:buNone/>
+              <a:defRPr sz="675"/>
             </a:lvl5pPr>
-            <a:lvl6pPr marL="2286000" indent="0">
-              <a:buNone/>
-              <a:defRPr sz="900"/>
+            <a:lvl6pPr marL="1714500" indent="0">
+              <a:buNone/>
+              <a:defRPr sz="675"/>
             </a:lvl6pPr>
-            <a:lvl7pPr marL="2743200" indent="0">
-              <a:buNone/>
-              <a:defRPr sz="900"/>
+            <a:lvl7pPr marL="2057400" indent="0">
+              <a:buNone/>
+              <a:defRPr sz="675"/>
             </a:lvl7pPr>
-            <a:lvl8pPr marL="3200400" indent="0">
-              <a:buNone/>
-              <a:defRPr sz="900"/>
+            <a:lvl8pPr marL="2400300" indent="0">
+              <a:buNone/>
+              <a:defRPr sz="675"/>
             </a:lvl8pPr>
-            <a:lvl9pPr marL="3657600" indent="0">
-              <a:buNone/>
-              <a:defRPr sz="900"/>
+            <a:lvl9pPr marL="2743200" indent="0">
+              <a:buNone/>
+              <a:defRPr sz="675"/>
             </a:lvl9pPr>
           </a:lstStyle>
           <a:p>
             <a:pPr lvl="0"/>
             <a:r>
+              <a:rPr lang="en-US"/>
+              <a:t>Click to edit Master text styles</a:t>
+            </a:r>
+          </a:p>
+        </p:txBody>
+      </p:sp>
+      <p:sp>
+        <p:nvSpPr>
+          <p:cNvPr id="5" name="Date Placeholder 4"/>
+          <p:cNvSpPr>
+            <a:spLocks noGrp="1"/>
+          </p:cNvSpPr>
+          <p:nvPr>
+            <p:ph type="dt" sz="half" idx="10"/>
+          </p:nvPr>
+        </p:nvSpPr>
+        <p:spPr/>
+        <p:txBody>
+          <a:bodyPr/>
+          <a:lstStyle/>
+          <a:p>
+            <a:fld id="{241EB5C9-1307-BA42-ABA2-0BC069CD8E7F}" type="datetimeFigureOut">
               <a:rPr lang="en-US" smtClean="0"/>
-              <a:t>Click to edit Master text styles</a:t>
-            </a:r>
-          </a:p>
-        </p:txBody>
-      </p:sp>
-      <p:sp>
-        <p:nvSpPr>
-          <p:cNvPr id="5" name="Date Placeholder 4"/>
-          <p:cNvSpPr>
-            <a:spLocks noGrp="1"/>
-          </p:cNvSpPr>
-          <p:nvPr>
-            <p:ph type="dt" sz="half" idx="10"/>
-          </p:nvPr>
-        </p:nvSpPr>
-        <p:spPr/>
-        <p:txBody>
-          <a:bodyPr/>
-          <a:lstStyle/>
-          <a:p>
-            <a:fld id="{5BCAD085-E8A6-8845-BD4E-CB4CCA059FC4}" type="datetimeFigureOut">
-              <a:rPr lang="en-US" smtClean="0"/>
-              <a:t>1/27/13</a:t>
+              <a:t>1/2/22</a:t>
             </a:fld>
             <a:endParaRPr lang="en-US"/>
           </a:p>
@@ -2294,7 +2297,7 @@
           <a:bodyPr/>
           <a:lstStyle/>
           <a:p>
-            <a:fld id="{C1FF6DA9-008F-8B48-92A6-B652298478BF}" type="slidenum">
+            <a:fld id="{C5EF2332-01BF-834F-8236-50238282D533}" type="slidenum">
               <a:rPr lang="en-US" smtClean="0"/>
               <a:t>‹#›</a:t>
             </a:fld>
@@ -2305,7 +2308,7 @@
     </p:spTree>
     <p:extLst>
       <p:ext uri="{BB962C8B-B14F-4D97-AF65-F5344CB8AC3E}">
-        <p14:creationId xmlns:p14="http://schemas.microsoft.com/office/powerpoint/2010/main" val="1840726560"/>
+        <p14:creationId xmlns:p14="http://schemas.microsoft.com/office/powerpoint/2010/main" val="3540895647"/>
       </p:ext>
     </p:extLst>
   </p:cSld>
@@ -2344,23 +2347,22 @@
         </p:nvSpPr>
         <p:spPr>
           <a:xfrm>
-            <a:off x="1792288" y="4800600"/>
-            <a:ext cx="5486400" cy="566738"/>
+            <a:off x="1792288" y="3600450"/>
+            <a:ext cx="5486400" cy="425054"/>
           </a:xfrm>
         </p:spPr>
         <p:txBody>
           <a:bodyPr anchor="b"/>
           <a:lstStyle>
             <a:lvl1pPr algn="l">
-              <a:defRPr sz="2000" b="1"/>
+              <a:defRPr sz="1500" b="1"/>
             </a:lvl1pPr>
           </a:lstStyle>
           <a:p>
             <a:r>
-              <a:rPr lang="en-US" smtClean="0"/>
+              <a:rPr lang="en-US"/>
               <a:t>Click to edit Master title style</a:t>
             </a:r>
-            <a:endParaRPr lang="en-US"/>
           </a:p>
         </p:txBody>
       </p:sp>
@@ -2376,8 +2378,8 @@
         </p:nvSpPr>
         <p:spPr>
           <a:xfrm>
-            <a:off x="1792288" y="612775"/>
-            <a:ext cx="5486400" cy="4114800"/>
+            <a:off x="1792288" y="459581"/>
+            <a:ext cx="5486400" cy="3086100"/>
           </a:xfrm>
         </p:spPr>
         <p:txBody>
@@ -2385,39 +2387,39 @@
           <a:lstStyle>
             <a:lvl1pPr marL="0" indent="0">
               <a:buNone/>
-              <a:defRPr sz="3200"/>
+              <a:defRPr sz="2400"/>
             </a:lvl1pPr>
-            <a:lvl2pPr marL="457200" indent="0">
-              <a:buNone/>
-              <a:defRPr sz="2800"/>
+            <a:lvl2pPr marL="342900" indent="0">
+              <a:buNone/>
+              <a:defRPr sz="2100"/>
             </a:lvl2pPr>
-            <a:lvl3pPr marL="914400" indent="0">
-              <a:buNone/>
-              <a:defRPr sz="2400"/>
+            <a:lvl3pPr marL="685800" indent="0">
+              <a:buNone/>
+              <a:defRPr sz="1800"/>
             </a:lvl3pPr>
-            <a:lvl4pPr marL="1371600" indent="0">
-              <a:buNone/>
-              <a:defRPr sz="2000"/>
+            <a:lvl4pPr marL="1028700" indent="0">
+              <a:buNone/>
+              <a:defRPr sz="1500"/>
             </a:lvl4pPr>
-            <a:lvl5pPr marL="1828800" indent="0">
-              <a:buNone/>
-              <a:defRPr sz="2000"/>
+            <a:lvl5pPr marL="1371600" indent="0">
+              <a:buNone/>
+              <a:defRPr sz="1500"/>
             </a:lvl5pPr>
-            <a:lvl6pPr marL="2286000" indent="0">
-              <a:buNone/>
-              <a:defRPr sz="2000"/>
+            <a:lvl6pPr marL="1714500" indent="0">
+              <a:buNone/>
+              <a:defRPr sz="1500"/>
             </a:lvl6pPr>
-            <a:lvl7pPr marL="2743200" indent="0">
-              <a:buNone/>
-              <a:defRPr sz="2000"/>
+            <a:lvl7pPr marL="2057400" indent="0">
+              <a:buNone/>
+              <a:defRPr sz="1500"/>
             </a:lvl7pPr>
-            <a:lvl8pPr marL="3200400" indent="0">
-              <a:buNone/>
-              <a:defRPr sz="2000"/>
+            <a:lvl8pPr marL="2400300" indent="0">
+              <a:buNone/>
+              <a:defRPr sz="1500"/>
             </a:lvl8pPr>
-            <a:lvl9pPr marL="3657600" indent="0">
-              <a:buNone/>
-              <a:defRPr sz="2000"/>
+            <a:lvl9pPr marL="2743200" indent="0">
+              <a:buNone/>
+              <a:defRPr sz="1500"/>
             </a:lvl9pPr>
           </a:lstStyle>
           <a:p>
@@ -2437,8 +2439,8 @@
         </p:nvSpPr>
         <p:spPr>
           <a:xfrm>
-            <a:off x="1792288" y="5367338"/>
-            <a:ext cx="5486400" cy="804862"/>
+            <a:off x="1792288" y="4025503"/>
+            <a:ext cx="5486400" cy="603647"/>
           </a:xfrm>
         </p:spPr>
         <p:txBody>
@@ -2446,68 +2448,68 @@
           <a:lstStyle>
             <a:lvl1pPr marL="0" indent="0">
               <a:buNone/>
-              <a:defRPr sz="1400"/>
+              <a:defRPr sz="1050"/>
             </a:lvl1pPr>
-            <a:lvl2pPr marL="457200" indent="0">
-              <a:buNone/>
-              <a:defRPr sz="1200"/>
+            <a:lvl2pPr marL="342900" indent="0">
+              <a:buNone/>
+              <a:defRPr sz="900"/>
             </a:lvl2pPr>
-            <a:lvl3pPr marL="914400" indent="0">
-              <a:buNone/>
-              <a:defRPr sz="1000"/>
+            <a:lvl3pPr marL="685800" indent="0">
+              <a:buNone/>
+              <a:defRPr sz="750"/>
             </a:lvl3pPr>
-            <a:lvl4pPr marL="1371600" indent="0">
-              <a:buNone/>
-              <a:defRPr sz="900"/>
+            <a:lvl4pPr marL="1028700" indent="0">
+              <a:buNone/>
+              <a:defRPr sz="675"/>
             </a:lvl4pPr>
-            <a:lvl5pPr marL="1828800" indent="0">
-              <a:buNone/>
-              <a:defRPr sz="900"/>
+            <a:lvl5pPr marL="1371600" indent="0">
+              <a:buNone/>
+              <a:defRPr sz="675"/>
             </a:lvl5pPr>
-            <a:lvl6pPr marL="2286000" indent="0">
-              <a:buNone/>
-              <a:defRPr sz="900"/>
+            <a:lvl6pPr marL="1714500" indent="0">
+              <a:buNone/>
+              <a:defRPr sz="675"/>
             </a:lvl6pPr>
-            <a:lvl7pPr marL="2743200" indent="0">
-              <a:buNone/>
-              <a:defRPr sz="900"/>
+            <a:lvl7pPr marL="2057400" indent="0">
+              <a:buNone/>
+              <a:defRPr sz="675"/>
             </a:lvl7pPr>
-            <a:lvl8pPr marL="3200400" indent="0">
-              <a:buNone/>
-              <a:defRPr sz="900"/>
+            <a:lvl8pPr marL="2400300" indent="0">
+              <a:buNone/>
+              <a:defRPr sz="675"/>
             </a:lvl8pPr>
-            <a:lvl9pPr marL="3657600" indent="0">
-              <a:buNone/>
-              <a:defRPr sz="900"/>
+            <a:lvl9pPr marL="2743200" indent="0">
+              <a:buNone/>
+              <a:defRPr sz="675"/>
             </a:lvl9pPr>
           </a:lstStyle>
           <a:p>
             <a:pPr lvl="0"/>
             <a:r>
+              <a:rPr lang="en-US"/>
+              <a:t>Click to edit Master text styles</a:t>
+            </a:r>
+          </a:p>
+        </p:txBody>
+      </p:sp>
+      <p:sp>
+        <p:nvSpPr>
+          <p:cNvPr id="5" name="Date Placeholder 4"/>
+          <p:cNvSpPr>
+            <a:spLocks noGrp="1"/>
+          </p:cNvSpPr>
+          <p:nvPr>
+            <p:ph type="dt" sz="half" idx="10"/>
+          </p:nvPr>
+        </p:nvSpPr>
+        <p:spPr/>
+        <p:txBody>
+          <a:bodyPr/>
+          <a:lstStyle/>
+          <a:p>
+            <a:fld id="{241EB5C9-1307-BA42-ABA2-0BC069CD8E7F}" type="datetimeFigureOut">
               <a:rPr lang="en-US" smtClean="0"/>
-              <a:t>Click to edit Master text styles</a:t>
-            </a:r>
-          </a:p>
-        </p:txBody>
-      </p:sp>
-      <p:sp>
-        <p:nvSpPr>
-          <p:cNvPr id="5" name="Date Placeholder 4"/>
-          <p:cNvSpPr>
-            <a:spLocks noGrp="1"/>
-          </p:cNvSpPr>
-          <p:nvPr>
-            <p:ph type="dt" sz="half" idx="10"/>
-          </p:nvPr>
-        </p:nvSpPr>
-        <p:spPr/>
-        <p:txBody>
-          <a:bodyPr/>
-          <a:lstStyle/>
-          <a:p>
-            <a:fld id="{5BCAD085-E8A6-8845-BD4E-CB4CCA059FC4}" type="datetimeFigureOut">
-              <a:rPr lang="en-US" smtClean="0"/>
-              <a:t>1/27/13</a:t>
+              <a:t>1/2/22</a:t>
             </a:fld>
             <a:endParaRPr lang="en-US"/>
           </a:p>
@@ -2547,7 +2549,7 @@
           <a:bodyPr/>
           <a:lstStyle/>
           <a:p>
-            <a:fld id="{C1FF6DA9-008F-8B48-92A6-B652298478BF}" type="slidenum">
+            <a:fld id="{C5EF2332-01BF-834F-8236-50238282D533}" type="slidenum">
               <a:rPr lang="en-US" smtClean="0"/>
               <a:t>‹#›</a:t>
             </a:fld>
@@ -2558,7 +2560,7 @@
     </p:spTree>
     <p:extLst>
       <p:ext uri="{BB962C8B-B14F-4D97-AF65-F5344CB8AC3E}">
-        <p14:creationId xmlns:p14="http://schemas.microsoft.com/office/powerpoint/2010/main" val="3889236939"/>
+        <p14:creationId xmlns:p14="http://schemas.microsoft.com/office/powerpoint/2010/main" val="3566899855"/>
       </p:ext>
     </p:extLst>
   </p:cSld>
@@ -2569,7 +2571,7 @@
 </file>
 
 <file path=ppt/slideMasters/slideMaster1.xml><?xml version="1.0" encoding="utf-8"?>
-<p:sldMaster xmlns:a="http://schemas.openxmlformats.org/drawingml/2006/main" xmlns:r="http://schemas.openxmlformats.org/officeDocument/2006/relationships" xmlns:p="http://schemas.openxmlformats.org/presentationml/2006/main">
+<p:sldMaster xmlns:a="http://schemas.openxmlformats.org/drawingml/2006/main" xmlns:p="http://schemas.openxmlformats.org/presentationml/2006/main" xmlns:r="http://schemas.openxmlformats.org/officeDocument/2006/relationships">
   <p:cSld>
     <p:bg>
       <p:bgRef idx="1001">
@@ -2602,24 +2604,23 @@
         </p:nvSpPr>
         <p:spPr>
           <a:xfrm>
-            <a:off x="457200" y="274638"/>
-            <a:ext cx="8229600" cy="1143000"/>
+            <a:off x="457200" y="205979"/>
+            <a:ext cx="8229600" cy="857250"/>
           </a:xfrm>
           <a:prstGeom prst="rect">
             <a:avLst/>
           </a:prstGeom>
         </p:spPr>
         <p:txBody>
-          <a:bodyPr vert="horz" lIns="91440" tIns="45720" rIns="91440" bIns="45720" rtlCol="0" anchor="ctr">
+          <a:bodyPr anchor="ctr" bIns="45720" lIns="91440" rIns="91440" rtlCol="0" tIns="45720" vert="horz">
             <a:normAutofit/>
           </a:bodyPr>
           <a:lstStyle/>
           <a:p>
             <a:r>
-              <a:rPr lang="en-US" smtClean="0"/>
+              <a:rPr lang="en-US"/>
               <a:t>Click to edit Master title style</a:t>
             </a:r>
-            <a:endParaRPr lang="en-US"/>
           </a:p>
         </p:txBody>
       </p:sp>
@@ -2630,58 +2631,57 @@
             <a:spLocks noGrp="1"/>
           </p:cNvSpPr>
           <p:nvPr>
-            <p:ph type="body" idx="1"/>
+            <p:ph idx="1" type="body"/>
           </p:nvPr>
         </p:nvSpPr>
         <p:spPr>
           <a:xfrm>
-            <a:off x="457200" y="1600200"/>
-            <a:ext cx="8229600" cy="4525963"/>
+            <a:off x="457200" y="1200151"/>
+            <a:ext cx="8229600" cy="3394472"/>
           </a:xfrm>
           <a:prstGeom prst="rect">
             <a:avLst/>
           </a:prstGeom>
         </p:spPr>
         <p:txBody>
-          <a:bodyPr vert="horz" lIns="91440" tIns="45720" rIns="91440" bIns="45720" rtlCol="0">
+          <a:bodyPr bIns="45720" lIns="91440" rIns="91440" rtlCol="0" tIns="45720" vert="horz">
             <a:normAutofit/>
           </a:bodyPr>
           <a:lstStyle/>
           <a:p>
             <a:pPr lvl="0"/>
             <a:r>
-              <a:rPr lang="en-US" smtClean="0"/>
+              <a:rPr lang="en-US"/>
               <a:t>Click to edit Master text styles</a:t>
             </a:r>
           </a:p>
           <a:p>
             <a:pPr lvl="1"/>
             <a:r>
-              <a:rPr lang="en-US" smtClean="0"/>
+              <a:rPr lang="en-US"/>
               <a:t>Second level</a:t>
             </a:r>
           </a:p>
           <a:p>
             <a:pPr lvl="2"/>
             <a:r>
-              <a:rPr lang="en-US" smtClean="0"/>
+              <a:rPr lang="en-US"/>
               <a:t>Third level</a:t>
             </a:r>
           </a:p>
           <a:p>
             <a:pPr lvl="3"/>
             <a:r>
-              <a:rPr lang="en-US" smtClean="0"/>
+              <a:rPr lang="en-US"/>
               <a:t>Fourth level</a:t>
             </a:r>
           </a:p>
           <a:p>
             <a:pPr lvl="4"/>
             <a:r>
-              <a:rPr lang="en-US" smtClean="0"/>
+              <a:rPr lang="en-US"/>
               <a:t>Fifth level</a:t>
             </a:r>
-            <a:endParaRPr lang="en-US"/>
           </a:p>
         </p:txBody>
       </p:sp>
@@ -2692,23 +2692,23 @@
             <a:spLocks noGrp="1"/>
           </p:cNvSpPr>
           <p:nvPr>
-            <p:ph type="dt" sz="half" idx="2"/>
+            <p:ph idx="2" sz="half" type="dt"/>
           </p:nvPr>
         </p:nvSpPr>
         <p:spPr>
           <a:xfrm>
-            <a:off x="457200" y="6356350"/>
-            <a:ext cx="2133600" cy="365125"/>
+            <a:off x="457200" y="4767263"/>
+            <a:ext cx="2133600" cy="273844"/>
           </a:xfrm>
           <a:prstGeom prst="rect">
             <a:avLst/>
           </a:prstGeom>
         </p:spPr>
         <p:txBody>
-          <a:bodyPr vert="horz" lIns="91440" tIns="45720" rIns="91440" bIns="45720" rtlCol="0" anchor="ctr"/>
+          <a:bodyPr anchor="ctr" bIns="45720" lIns="91440" rIns="91440" rtlCol="0" tIns="45720" vert="horz"/>
           <a:lstStyle>
             <a:lvl1pPr algn="l">
-              <a:defRPr sz="1200">
+              <a:defRPr sz="900">
                 <a:solidFill>
                   <a:schemeClr val="tx1">
                     <a:tint val="75000"/>
@@ -2718,9 +2718,9 @@
             </a:lvl1pPr>
           </a:lstStyle>
           <a:p>
-            <a:fld id="{5BCAD085-E8A6-8845-BD4E-CB4CCA059FC4}" type="datetimeFigureOut">
+            <a:fld id="{241EB5C9-1307-BA42-ABA2-0BC069CD8E7F}" type="datetimeFigureOut">
               <a:rPr lang="en-US" smtClean="0"/>
-              <a:t>1/27/13</a:t>
+              <a:t>1/2/22</a:t>
             </a:fld>
             <a:endParaRPr lang="en-US"/>
           </a:p>
@@ -2733,23 +2733,23 @@
             <a:spLocks noGrp="1"/>
           </p:cNvSpPr>
           <p:nvPr>
-            <p:ph type="ftr" sz="quarter" idx="3"/>
+            <p:ph idx="3" sz="quarter" type="ftr"/>
           </p:nvPr>
         </p:nvSpPr>
         <p:spPr>
           <a:xfrm>
-            <a:off x="3124200" y="6356350"/>
-            <a:ext cx="2895600" cy="365125"/>
+            <a:off x="3124200" y="4767263"/>
+            <a:ext cx="2895600" cy="273844"/>
           </a:xfrm>
           <a:prstGeom prst="rect">
             <a:avLst/>
           </a:prstGeom>
         </p:spPr>
         <p:txBody>
-          <a:bodyPr vert="horz" lIns="91440" tIns="45720" rIns="91440" bIns="45720" rtlCol="0" anchor="ctr"/>
+          <a:bodyPr anchor="ctr" bIns="45720" lIns="91440" rIns="91440" rtlCol="0" tIns="45720" vert="horz"/>
           <a:lstStyle>
             <a:lvl1pPr algn="ctr">
-              <a:defRPr sz="1200">
+              <a:defRPr sz="900">
                 <a:solidFill>
                   <a:schemeClr val="tx1">
                     <a:tint val="75000"/>
@@ -2770,23 +2770,23 @@
             <a:spLocks noGrp="1"/>
           </p:cNvSpPr>
           <p:nvPr>
-            <p:ph type="sldNum" sz="quarter" idx="4"/>
+            <p:ph idx="4" sz="quarter" type="sldNum"/>
           </p:nvPr>
         </p:nvSpPr>
         <p:spPr>
           <a:xfrm>
-            <a:off x="6553200" y="6356350"/>
-            <a:ext cx="2133600" cy="365125"/>
+            <a:off x="6553200" y="4767263"/>
+            <a:ext cx="2133600" cy="273844"/>
           </a:xfrm>
           <a:prstGeom prst="rect">
             <a:avLst/>
           </a:prstGeom>
         </p:spPr>
         <p:txBody>
-          <a:bodyPr vert="horz" lIns="91440" tIns="45720" rIns="91440" bIns="45720" rtlCol="0" anchor="ctr"/>
+          <a:bodyPr anchor="ctr" bIns="45720" lIns="91440" rIns="91440" rtlCol="0" tIns="45720" vert="horz"/>
           <a:lstStyle>
             <a:lvl1pPr algn="r">
-              <a:defRPr sz="1200">
+              <a:defRPr sz="900">
                 <a:solidFill>
                   <a:schemeClr val="tx1">
                     <a:tint val="75000"/>
@@ -2796,7 +2796,7 @@
             </a:lvl1pPr>
           </a:lstStyle>
           <a:p>
-            <a:fld id="{C1FF6DA9-008F-8B48-92A6-B652298478BF}" type="slidenum">
+            <a:fld id="{C5EF2332-01BF-834F-8236-50238282D533}" type="slidenum">
               <a:rPr lang="en-US" smtClean="0"/>
               <a:t>‹#›</a:t>
             </a:fld>
@@ -2807,11 +2807,11 @@
     </p:spTree>
     <p:extLst>
       <p:ext uri="{BB962C8B-B14F-4D97-AF65-F5344CB8AC3E}">
-        <p14:creationId xmlns:p14="http://schemas.microsoft.com/office/powerpoint/2010/main" val="2209977519"/>
+        <p14:creationId xmlns:p14="http://schemas.microsoft.com/office/powerpoint/2010/main" val="3676200875"/>
       </p:ext>
     </p:extLst>
   </p:cSld>
-  <p:clrMap bg1="lt1" tx1="dk1" bg2="lt2" tx2="dk2" accent1="accent1" accent2="accent2" accent3="accent3" accent4="accent4" accent5="accent5" accent6="accent6" hlink="hlink" folHlink="folHlink"/>
+  <p:clrMap accent1="accent1" accent2="accent2" accent3="accent3" accent4="accent4" accent5="accent5" accent6="accent6" bg1="lt1" bg2="lt2" folHlink="folHlink" hlink="hlink" tx1="dk1" tx2="dk2"/>
   <p:sldLayoutIdLst>
     <p:sldLayoutId id="2147483649" r:id="rId1"/>
     <p:sldLayoutId id="2147483650" r:id="rId2"/>
@@ -2827,12 +2827,12 @@
   </p:sldLayoutIdLst>
   <p:txStyles>
     <p:titleStyle>
-      <a:lvl1pPr algn="ctr" defTabSz="457200" rtl="0" eaLnBrk="1" latinLnBrk="0" hangingPunct="1">
+      <a:lvl1pPr algn="ctr" defTabSz="342900" eaLnBrk="1" hangingPunct="1" latinLnBrk="0" rtl="0">
         <a:spcBef>
           <a:spcPct val="0"/>
         </a:spcBef>
         <a:buNone/>
-        <a:defRPr sz="4400" kern="1200">
+        <a:defRPr kern="1200" sz="3300">
           <a:solidFill>
             <a:schemeClr val="tx1"/>
           </a:solidFill>
@@ -2843,13 +2843,13 @@
       </a:lvl1pPr>
     </p:titleStyle>
     <p:bodyStyle>
-      <a:lvl1pPr marL="342900" indent="-342900" algn="l" defTabSz="457200" rtl="0" eaLnBrk="1" latinLnBrk="0" hangingPunct="1">
+      <a:lvl1pPr algn="l" defTabSz="342900" eaLnBrk="1" hangingPunct="1" indent="-342900" latinLnBrk="0" marL="342900" rtl="0">
         <a:spcBef>
           <a:spcPct val="20000"/>
         </a:spcBef>
         <a:buFont typeface="Arial"/>
         <a:buChar char="•"/>
-        <a:defRPr sz="3200" kern="1200">
+        <a:defRPr kern="1200" sz="2400">
           <a:solidFill>
             <a:schemeClr val="tx1"/>
           </a:solidFill>
@@ -2858,13 +2858,13 @@
           <a:cs typeface="+mn-cs"/>
         </a:defRPr>
       </a:lvl1pPr>
-      <a:lvl2pPr marL="742950" indent="-285750" algn="l" defTabSz="457200" rtl="0" eaLnBrk="1" latinLnBrk="0" hangingPunct="1">
+      <a:lvl2pPr algn="l" defTabSz="342900" eaLnBrk="1" hangingPunct="1" indent="-342900" latinLnBrk="0" marL="685800" rtl="0">
         <a:spcBef>
           <a:spcPct val="20000"/>
         </a:spcBef>
         <a:buFont typeface="Arial"/>
         <a:buChar char="–"/>
-        <a:defRPr sz="2800" kern="1200">
+        <a:defRPr kern="1200" sz="2100">
           <a:solidFill>
             <a:schemeClr val="tx1"/>
           </a:solidFill>
@@ -2873,13 +2873,13 @@
           <a:cs typeface="+mn-cs"/>
         </a:defRPr>
       </a:lvl2pPr>
-      <a:lvl3pPr marL="1143000" indent="-228600" algn="l" defTabSz="457200" rtl="0" eaLnBrk="1" latinLnBrk="0" hangingPunct="1">
+      <a:lvl3pPr algn="l" defTabSz="342900" eaLnBrk="1" hangingPunct="1" indent="-342900" latinLnBrk="0" marL="1028700" rtl="0">
         <a:spcBef>
           <a:spcPct val="20000"/>
         </a:spcBef>
         <a:buFont typeface="Arial"/>
         <a:buChar char="•"/>
-        <a:defRPr sz="2400" kern="1200">
+        <a:defRPr kern="1200" sz="1800">
           <a:solidFill>
             <a:schemeClr val="tx1"/>
           </a:solidFill>
@@ -2888,13 +2888,13 @@
           <a:cs typeface="+mn-cs"/>
         </a:defRPr>
       </a:lvl3pPr>
-      <a:lvl4pPr marL="1600200" indent="-228600" algn="l" defTabSz="457200" rtl="0" eaLnBrk="1" latinLnBrk="0" hangingPunct="1">
+      <a:lvl4pPr algn="l" defTabSz="342900" eaLnBrk="1" hangingPunct="1" indent="-342900" latinLnBrk="0" marL="1371600" rtl="0">
         <a:spcBef>
           <a:spcPct val="20000"/>
         </a:spcBef>
         <a:buFont typeface="Arial"/>
         <a:buChar char="–"/>
-        <a:defRPr sz="2000" kern="1200">
+        <a:defRPr kern="1200" sz="1500">
           <a:solidFill>
             <a:schemeClr val="tx1"/>
           </a:solidFill>
@@ -2903,13 +2903,13 @@
           <a:cs typeface="+mn-cs"/>
         </a:defRPr>
       </a:lvl4pPr>
-      <a:lvl5pPr marL="2057400" indent="-228600" algn="l" defTabSz="457200" rtl="0" eaLnBrk="1" latinLnBrk="0" hangingPunct="1">
+      <a:lvl5pPr algn="l" defTabSz="342900" eaLnBrk="1" hangingPunct="1" indent="-342900" latinLnBrk="0" marL="1714500" rtl="0">
         <a:spcBef>
           <a:spcPct val="20000"/>
         </a:spcBef>
         <a:buFont typeface="Arial"/>
         <a:buChar char="»"/>
-        <a:defRPr sz="2000" kern="1200">
+        <a:defRPr kern="1200" sz="1500">
           <a:solidFill>
             <a:schemeClr val="tx1"/>
           </a:solidFill>
@@ -2918,13 +2918,13 @@
           <a:cs typeface="+mn-cs"/>
         </a:defRPr>
       </a:lvl5pPr>
-      <a:lvl6pPr marL="2514600" indent="-228600" algn="l" defTabSz="457200" rtl="0" eaLnBrk="1" latinLnBrk="0" hangingPunct="1">
+      <a:lvl6pPr algn="l" defTabSz="342900" eaLnBrk="1" hangingPunct="1" indent="-342900" latinLnBrk="0" marL="2057400" rtl="0">
         <a:spcBef>
           <a:spcPct val="20000"/>
         </a:spcBef>
         <a:buFont typeface="Arial"/>
         <a:buChar char="•"/>
-        <a:defRPr sz="2000" kern="1200">
+        <a:defRPr kern="1200" sz="1500">
           <a:solidFill>
             <a:schemeClr val="tx1"/>
           </a:solidFill>
@@ -2933,13 +2933,13 @@
           <a:cs typeface="+mn-cs"/>
         </a:defRPr>
       </a:lvl6pPr>
-      <a:lvl7pPr marL="2971800" indent="-228600" algn="l" defTabSz="457200" rtl="0" eaLnBrk="1" latinLnBrk="0" hangingPunct="1">
+      <a:lvl7pPr algn="l" defTabSz="342900" eaLnBrk="1" hangingPunct="1" indent="-342900" latinLnBrk="0" marL="2400300" rtl="0">
         <a:spcBef>
           <a:spcPct val="20000"/>
         </a:spcBef>
         <a:buFont typeface="Arial"/>
         <a:buChar char="•"/>
-        <a:defRPr sz="2000" kern="1200">
+        <a:defRPr kern="1200" sz="1500">
           <a:solidFill>
             <a:schemeClr val="tx1"/>
           </a:solidFill>
@@ -2948,13 +2948,13 @@
           <a:cs typeface="+mn-cs"/>
         </a:defRPr>
       </a:lvl7pPr>
-      <a:lvl8pPr marL="3429000" indent="-228600" algn="l" defTabSz="457200" rtl="0" eaLnBrk="1" latinLnBrk="0" hangingPunct="1">
+      <a:lvl8pPr algn="l" defTabSz="342900" eaLnBrk="1" hangingPunct="1" indent="-342900" latinLnBrk="0" marL="2743200" rtl="0">
         <a:spcBef>
           <a:spcPct val="20000"/>
         </a:spcBef>
         <a:buFont typeface="Arial"/>
         <a:buChar char="•"/>
-        <a:defRPr sz="2000" kern="1200">
+        <a:defRPr kern="1200" sz="1500">
           <a:solidFill>
             <a:schemeClr val="tx1"/>
           </a:solidFill>
@@ -2963,13 +2963,13 @@
           <a:cs typeface="+mn-cs"/>
         </a:defRPr>
       </a:lvl8pPr>
-      <a:lvl9pPr marL="3886200" indent="-228600" algn="l" defTabSz="457200" rtl="0" eaLnBrk="1" latinLnBrk="0" hangingPunct="1">
+      <a:lvl9pPr algn="l" defTabSz="342900" eaLnBrk="1" hangingPunct="1" indent="-342900" latinLnBrk="0" marL="3086100" rtl="0">
         <a:spcBef>
           <a:spcPct val="20000"/>
         </a:spcBef>
         <a:buFont typeface="Arial"/>
         <a:buChar char="•"/>
-        <a:defRPr sz="2000" kern="1200">
+        <a:defRPr kern="1200" sz="1500">
           <a:solidFill>
             <a:schemeClr val="tx1"/>
           </a:solidFill>
@@ -2983,8 +2983,8 @@
       <a:defPPr>
         <a:defRPr lang="en-US"/>
       </a:defPPr>
-      <a:lvl1pPr marL="0" algn="l" defTabSz="457200" rtl="0" eaLnBrk="1" latinLnBrk="0" hangingPunct="1">
-        <a:defRPr sz="1800" kern="1200">
+      <a:lvl1pPr algn="l" defTabSz="342900" eaLnBrk="1" hangingPunct="1" latinLnBrk="0" marL="0" rtl="0">
+        <a:defRPr kern="1200" sz="1350">
           <a:solidFill>
             <a:schemeClr val="tx1"/>
           </a:solidFill>
@@ -2993,8 +2993,8 @@
           <a:cs typeface="+mn-cs"/>
         </a:defRPr>
       </a:lvl1pPr>
-      <a:lvl2pPr marL="457200" algn="l" defTabSz="457200" rtl="0" eaLnBrk="1" latinLnBrk="0" hangingPunct="1">
-        <a:defRPr sz="1800" kern="1200">
+      <a:lvl2pPr algn="l" defTabSz="342900" eaLnBrk="1" hangingPunct="1" latinLnBrk="0" marL="342900" rtl="0">
+        <a:defRPr kern="1200" sz="1350">
           <a:solidFill>
             <a:schemeClr val="tx1"/>
           </a:solidFill>
@@ -3003,8 +3003,8 @@
           <a:cs typeface="+mn-cs"/>
         </a:defRPr>
       </a:lvl2pPr>
-      <a:lvl3pPr marL="914400" algn="l" defTabSz="457200" rtl="0" eaLnBrk="1" latinLnBrk="0" hangingPunct="1">
-        <a:defRPr sz="1800" kern="1200">
+      <a:lvl3pPr algn="l" defTabSz="342900" eaLnBrk="1" hangingPunct="1" latinLnBrk="0" marL="685800" rtl="0">
+        <a:defRPr kern="1200" sz="1350">
           <a:solidFill>
             <a:schemeClr val="tx1"/>
           </a:solidFill>
@@ -3013,8 +3013,8 @@
           <a:cs typeface="+mn-cs"/>
         </a:defRPr>
       </a:lvl3pPr>
-      <a:lvl4pPr marL="1371600" algn="l" defTabSz="457200" rtl="0" eaLnBrk="1" latinLnBrk="0" hangingPunct="1">
-        <a:defRPr sz="1800" kern="1200">
+      <a:lvl4pPr algn="l" defTabSz="342900" eaLnBrk="1" hangingPunct="1" latinLnBrk="0" marL="1028700" rtl="0">
+        <a:defRPr kern="1200" sz="1350">
           <a:solidFill>
             <a:schemeClr val="tx1"/>
           </a:solidFill>
@@ -3023,8 +3023,8 @@
           <a:cs typeface="+mn-cs"/>
         </a:defRPr>
       </a:lvl4pPr>
-      <a:lvl5pPr marL="1828800" algn="l" defTabSz="457200" rtl="0" eaLnBrk="1" latinLnBrk="0" hangingPunct="1">
-        <a:defRPr sz="1800" kern="1200">
+      <a:lvl5pPr algn="l" defTabSz="342900" eaLnBrk="1" hangingPunct="1" latinLnBrk="0" marL="1371600" rtl="0">
+        <a:defRPr kern="1200" sz="1350">
           <a:solidFill>
             <a:schemeClr val="tx1"/>
           </a:solidFill>
@@ -3033,8 +3033,8 @@
           <a:cs typeface="+mn-cs"/>
         </a:defRPr>
       </a:lvl5pPr>
-      <a:lvl6pPr marL="2286000" algn="l" defTabSz="457200" rtl="0" eaLnBrk="1" latinLnBrk="0" hangingPunct="1">
-        <a:defRPr sz="1800" kern="1200">
+      <a:lvl6pPr algn="l" defTabSz="342900" eaLnBrk="1" hangingPunct="1" latinLnBrk="0" marL="1714500" rtl="0">
+        <a:defRPr kern="1200" sz="1350">
           <a:solidFill>
             <a:schemeClr val="tx1"/>
           </a:solidFill>
@@ -3043,8 +3043,8 @@
           <a:cs typeface="+mn-cs"/>
         </a:defRPr>
       </a:lvl6pPr>
-      <a:lvl7pPr marL="2743200" algn="l" defTabSz="457200" rtl="0" eaLnBrk="1" latinLnBrk="0" hangingPunct="1">
-        <a:defRPr sz="1800" kern="1200">
+      <a:lvl7pPr algn="l" defTabSz="342900" eaLnBrk="1" hangingPunct="1" latinLnBrk="0" marL="2057400" rtl="0">
+        <a:defRPr kern="1200" sz="1350">
           <a:solidFill>
             <a:schemeClr val="tx1"/>
           </a:solidFill>
@@ -3053,8 +3053,8 @@
           <a:cs typeface="+mn-cs"/>
         </a:defRPr>
       </a:lvl7pPr>
-      <a:lvl8pPr marL="3200400" algn="l" defTabSz="457200" rtl="0" eaLnBrk="1" latinLnBrk="0" hangingPunct="1">
-        <a:defRPr sz="1800" kern="1200">
+      <a:lvl8pPr algn="l" defTabSz="342900" eaLnBrk="1" hangingPunct="1" latinLnBrk="0" marL="2400300" rtl="0">
+        <a:defRPr kern="1200" sz="1350">
           <a:solidFill>
             <a:schemeClr val="tx1"/>
           </a:solidFill>
@@ -3063,8 +3063,8 @@
           <a:cs typeface="+mn-cs"/>
         </a:defRPr>
       </a:lvl8pPr>
-      <a:lvl9pPr marL="3657600" algn="l" defTabSz="457200" rtl="0" eaLnBrk="1" latinLnBrk="0" hangingPunct="1">
-        <a:defRPr sz="1800" kern="1200">
+      <a:lvl9pPr algn="l" defTabSz="342900" eaLnBrk="1" hangingPunct="1" latinLnBrk="0" marL="2743200" rtl="0">
+        <a:defRPr kern="1200" sz="1350">
           <a:solidFill>
             <a:schemeClr val="tx1"/>
           </a:solidFill>
@@ -3079,7 +3079,7 @@
 </file>
 
 <file path=ppt/slides/slide1.xml><?xml version="1.0" encoding="utf-8"?>
-<p:sld xmlns:a="http://schemas.openxmlformats.org/drawingml/2006/main" xmlns:p="http://schemas.openxmlformats.org/presentationml/2006/main" xmlns:r="http://schemas.openxmlformats.org/officeDocument/2006/relationships">
+<p:sld xmlns:a="http://schemas.openxmlformats.org/drawingml/2006/main" xmlns:r="http://schemas.openxmlformats.org/officeDocument/2006/relationships" xmlns:p="http://schemas.openxmlformats.org/presentationml/2006/main">
   <p:cSld>
     <p:spTree>
       <p:nvGrpSpPr>
@@ -3087,65 +3087,990 @@
         <p:cNvGrpSpPr/>
         <p:nvPr/>
       </p:nvGrpSpPr>
-      <p:grpSpPr/>
-      <p:sp>
-        <p:nvSpPr>
-          <p:cNvPr id="2" name="Title 1"/>
-          <p:cNvSpPr>
-            <a:spLocks noGrp="1"/>
-          </p:cNvSpPr>
-          <p:nvPr>
-            <p:ph type="title"/>
-          </p:nvPr>
-        </p:nvSpPr>
-        <p:spPr/>
-        <p:txBody>
-          <a:bodyPr/>
-          <a:lstStyle/>
-          <a:p/>
-        </p:txBody>
-      </p:sp>
-      <p:pic>
-        <p:nvPicPr>
-          <p:cNvPr id="3" name="Picture Placeholder 2" descr="header.png"/>
-          <p:cNvPicPr>
-            <a:picLocks noGrp="1" noChangeAspect="1"/>
-          </p:cNvPicPr>
-          <p:nvPr>
-            <p:ph type="pic" idx="1"/>
-          </p:nvPr>
-        </p:nvPicPr>
-        <p:blipFill>
-          <a:blip r:embed="rId2"/>
-          <a:srcRect l="32421" r="32421"/>
-          <a:stretch>
-            <a:fillRect/>
-          </a:stretch>
-        </p:blipFill>
-        <p:spPr/>
-      </p:pic>
-      <p:sp>
-        <p:nvSpPr>
-          <p:cNvPr id="4" name="Text Placeholder 3"/>
-          <p:cNvSpPr>
-            <a:spLocks noGrp="1"/>
-          </p:cNvSpPr>
-          <p:nvPr>
-            <p:ph type="body" idx="2" sz="half"/>
-          </p:nvPr>
-        </p:nvSpPr>
-        <p:spPr/>
-        <p:txBody>
-          <a:bodyPr/>
-          <a:lstStyle/>
-          <a:p/>
+      <p:grpSpPr>
+        <a:xfrm>
+          <a:off x="0" y="0"/>
+          <a:ext cx="0" cy="0"/>
+          <a:chOff x="0" y="0"/>
+          <a:chExt cx="0" cy="0"/>
+        </a:xfrm>
+      </p:grpSpPr>
+      <p:sp>
+        <p:nvSpPr>
+          <p:cNvPr id="3" name="Content Placeholder 2"/>
+          <p:cNvSpPr>
+            <a:spLocks noGrp="1"/>
+          </p:cNvSpPr>
+          <p:nvPr>
+            <p:ph idx="1"/>
+          </p:nvPr>
+        </p:nvSpPr>
+        <p:spPr/>
+        <p:txBody>
+          <a:bodyPr/>
+          <a:lstStyle/>
+          <a:p>
+            <a:pPr lvl="0"/>
+            <a:r>
+              <a:rPr/>
+              <a:t>5 minutes</a:t>
+            </a:r>
+          </a:p>
+          <a:p>
+            <a:pPr lvl="0" indent="0" marL="0">
+              <a:buNone/>
+            </a:pPr>
+            <a:r>
+              <a:rPr/>
+              <a:t>In this exercise, you’ll create an Azure Active Directory (Azure AD) group to manage the developer team’s access. You’ll also add a rule for the group to manage the membership automatically.</a:t>
+            </a:r>
+          </a:p>
+          <a:p>
+            <a:pPr lvl="0" indent="0" marL="0">
+              <a:buNone/>
+            </a:pPr>
+            <a:r>
+              <a:rPr/>
+              <a:t>Note</a:t>
+            </a:r>
+          </a:p>
+          <a:p>
+            <a:pPr lvl="0" indent="0" marL="0">
+              <a:buNone/>
+            </a:pPr>
+            <a:r>
+              <a:rPr/>
+              <a:t>This exercise depends on having completed prior exercises in this module. If you have not done so, complete </a:t>
+            </a:r>
+            <a:r>
+              <a:rPr>
+                <a:hlinkClick r:id="rId2"/>
+              </a:rPr>
+              <a:t>exercise in unit 3</a:t>
+            </a:r>
+            <a:r>
+              <a:rPr/>
+              <a:t> before you begin.</a:t>
+            </a:r>
+          </a:p>
         </p:txBody>
       </p:sp>
     </p:spTree>
   </p:cSld>
-  <p:clrMapOvr>
-    <a:masterClrMapping/>
-  </p:clrMapOvr>
+</p:sld>
+</file>
+
+<file path=ppt/slides/slide2.xml><?xml version="1.0" encoding="utf-8"?>
+<p:sld xmlns:a="http://schemas.openxmlformats.org/drawingml/2006/main" xmlns:r="http://schemas.openxmlformats.org/officeDocument/2006/relationships" xmlns:p="http://schemas.openxmlformats.org/presentationml/2006/main">
+  <p:cSld>
+    <p:spTree>
+      <p:nvGrpSpPr>
+        <p:cNvPr id="1" name=""/>
+        <p:cNvGrpSpPr/>
+        <p:nvPr/>
+      </p:nvGrpSpPr>
+      <p:grpSpPr>
+        <a:xfrm>
+          <a:off x="0" y="0"/>
+          <a:ext cx="0" cy="0"/>
+          <a:chOff x="0" y="0"/>
+          <a:chExt cx="0" cy="0"/>
+        </a:xfrm>
+      </p:grpSpPr>
+      <p:sp>
+        <p:nvSpPr>
+          <p:cNvPr id="2" name="Title 1"/>
+          <p:cNvSpPr>
+            <a:spLocks noGrp="1"/>
+          </p:cNvSpPr>
+          <p:nvPr>
+            <p:ph type="title"/>
+          </p:nvPr>
+        </p:nvSpPr>
+        <p:spPr/>
+        <p:txBody>
+          <a:bodyPr/>
+          <a:lstStyle/>
+          <a:p>
+            <a:pPr lvl="0" indent="0" marL="0">
+              <a:buNone/>
+            </a:pPr>
+            <a:r>
+              <a:rPr/>
+              <a:t>Add a new group</a:t>
+            </a:r>
+          </a:p>
+        </p:txBody>
+      </p:sp>
+      <p:sp>
+        <p:nvSpPr>
+          <p:cNvPr id="3" name="Content Placeholder 2"/>
+          <p:cNvSpPr>
+            <a:spLocks noGrp="1"/>
+          </p:cNvSpPr>
+          <p:nvPr>
+            <p:ph idx="1"/>
+          </p:nvPr>
+        </p:nvSpPr>
+        <p:spPr/>
+        <p:txBody>
+          <a:bodyPr/>
+          <a:lstStyle/>
+          <a:p>
+            <a:pPr lvl="0" indent="-342900" marL="342900">
+              <a:buAutoNum type="arabicPeriod"/>
+            </a:pPr>
+            <a:r>
+              <a:rPr/>
+              <a:t>Sign in to the </a:t>
+            </a:r>
+            <a:r>
+              <a:rPr>
+                <a:hlinkClick r:id="rId2"/>
+              </a:rPr>
+              <a:t>Azure portal</a:t>
+            </a:r>
+            <a:r>
+              <a:rPr/>
+              <a:t>.</a:t>
+            </a:r>
+          </a:p>
+          <a:p>
+            <a:pPr lvl="0" indent="-342900" marL="342900">
+              <a:buAutoNum type="arabicPeriod"/>
+            </a:pPr>
+            <a:r>
+              <a:rPr/>
+              <a:t>On the home page, under </a:t>
+            </a:r>
+            <a:r>
+              <a:rPr b="1"/>
+              <a:t>Azure services</a:t>
+            </a:r>
+            <a:r>
+              <a:rPr/>
+              <a:t>, select </a:t>
+            </a:r>
+            <a:r>
+              <a:rPr b="1"/>
+              <a:t>Azure Active Directory</a:t>
+            </a:r>
+            <a:r>
+              <a:rPr/>
+              <a:t>.</a:t>
+            </a:r>
+          </a:p>
+          <a:p>
+            <a:pPr lvl="0" indent="-342900" marL="342900">
+              <a:buAutoNum type="arabicPeriod"/>
+            </a:pPr>
+            <a:r>
+              <a:rPr/>
+              <a:t>In the left menu pane, under </a:t>
+            </a:r>
+            <a:r>
+              <a:rPr b="1"/>
+              <a:t>Manage</a:t>
+            </a:r>
+            <a:r>
+              <a:rPr/>
+              <a:t>, select </a:t>
+            </a:r>
+            <a:r>
+              <a:rPr b="1"/>
+              <a:t>Groups</a:t>
+            </a:r>
+            <a:r>
+              <a:rPr/>
+              <a:t>. The </a:t>
+            </a:r>
+            <a:r>
+              <a:rPr b="1"/>
+              <a:t>All groups</a:t>
+            </a:r>
+            <a:r>
+              <a:rPr/>
+              <a:t> pane appears for your Azure AD.</a:t>
+            </a:r>
+          </a:p>
+          <a:p>
+            <a:pPr lvl="0" indent="-342900" marL="342900">
+              <a:buAutoNum type="arabicPeriod"/>
+            </a:pPr>
+            <a:r>
+              <a:rPr/>
+              <a:t>On the top menu bar, select </a:t>
+            </a:r>
+            <a:r>
+              <a:rPr b="1"/>
+              <a:t>New group</a:t>
+            </a:r>
+            <a:r>
+              <a:rPr/>
+              <a:t>. The </a:t>
+            </a:r>
+            <a:r>
+              <a:rPr b="1"/>
+              <a:t>New Group</a:t>
+            </a:r>
+            <a:r>
+              <a:rPr/>
+              <a:t> pane appears.</a:t>
+            </a:r>
+          </a:p>
+          <a:p>
+            <a:pPr lvl="0" indent="-342900" marL="342900">
+              <a:buAutoNum type="arabicPeriod"/>
+            </a:pPr>
+            <a:r>
+              <a:rPr/>
+              <a:t>Enter the following values for each setting.</a:t>
+            </a:r>
+          </a:p>
+          <a:p>
+            <a:pPr lvl="0" indent="-342900" marL="342900">
+              <a:buAutoNum type="arabicPeriod"/>
+            </a:pPr>
+            <a:r>
+              <a:rPr/>
+              <a:t>Select </a:t>
+            </a:r>
+            <a:r>
+              <a:rPr b="1"/>
+              <a:t>Create</a:t>
+            </a:r>
+            <a:r>
+              <a:rPr/>
+              <a:t>. The </a:t>
+            </a:r>
+            <a:r>
+              <a:rPr b="1"/>
+              <a:t>Groups | All groups</a:t>
+            </a:r>
+            <a:r>
+              <a:rPr/>
+              <a:t> pane appears, including the new group in the list of Groups.</a:t>
+            </a:r>
+          </a:p>
+        </p:txBody>
+      </p:sp>
+    </p:spTree>
+  </p:cSld>
+</p:sld>
+</file>
+
+<file path=ppt/slides/slide3.xml><?xml version="1.0" encoding="utf-8"?>
+<p:sld xmlns:a="http://schemas.openxmlformats.org/drawingml/2006/main" xmlns:r="http://schemas.openxmlformats.org/officeDocument/2006/relationships" xmlns:p="http://schemas.openxmlformats.org/presentationml/2006/main">
+  <p:cSld>
+    <p:spTree>
+      <p:nvGrpSpPr>
+        <p:cNvPr id="1" name=""/>
+        <p:cNvGrpSpPr/>
+        <p:nvPr/>
+      </p:nvGrpSpPr>
+      <p:grpSpPr>
+        <a:xfrm>
+          <a:off x="0" y="0"/>
+          <a:ext cx="0" cy="0"/>
+          <a:chOff x="0" y="0"/>
+          <a:chExt cx="0" cy="0"/>
+        </a:xfrm>
+      </p:grpSpPr>
+      <p:sp>
+        <p:nvSpPr>
+          <p:cNvPr id="2" name="Title 1"/>
+          <p:cNvSpPr>
+            <a:spLocks noGrp="1"/>
+          </p:cNvSpPr>
+          <p:nvPr>
+            <p:ph type="title"/>
+          </p:nvPr>
+        </p:nvSpPr>
+        <p:spPr/>
+        <p:txBody>
+          <a:bodyPr/>
+          <a:lstStyle/>
+          <a:p>
+            <a:pPr lvl="0" indent="0" marL="0">
+              <a:buNone/>
+            </a:pPr>
+            <a:r>
+              <a:rPr/>
+              <a:t>Use direct assignment to add a user to this group</a:t>
+            </a:r>
+          </a:p>
+        </p:txBody>
+      </p:sp>
+      <p:sp>
+        <p:nvSpPr>
+          <p:cNvPr id="3" name="Content Placeholder 2"/>
+          <p:cNvSpPr>
+            <a:spLocks noGrp="1"/>
+          </p:cNvSpPr>
+          <p:nvPr>
+            <p:ph idx="1"/>
+          </p:nvPr>
+        </p:nvSpPr>
+        <p:spPr/>
+        <p:txBody>
+          <a:bodyPr/>
+          <a:lstStyle/>
+          <a:p>
+            <a:pPr lvl="0" indent="0" marL="0">
+              <a:buNone/>
+            </a:pPr>
+            <a:r>
+              <a:rPr/>
+              <a:t>You’ll now assign members to the Developer group.</a:t>
+            </a:r>
+          </a:p>
+          <a:p>
+            <a:pPr lvl="0" indent="-342900" marL="342900">
+              <a:buAutoNum type="arabicPeriod"/>
+            </a:pPr>
+            <a:r>
+              <a:rPr/>
+              <a:t>Select </a:t>
+            </a:r>
+            <a:r>
+              <a:rPr b="1"/>
+              <a:t>Developer group</a:t>
+            </a:r>
+            <a:r>
+              <a:rPr/>
+              <a:t>. The </a:t>
+            </a:r>
+            <a:r>
+              <a:rPr b="1"/>
+              <a:t>Developer group</a:t>
+            </a:r>
+            <a:r>
+              <a:rPr/>
+              <a:t> pane appears for your group.</a:t>
+            </a:r>
+          </a:p>
+          <a:p>
+            <a:pPr lvl="0" indent="-342900" marL="342900">
+              <a:buAutoNum type="arabicPeriod"/>
+            </a:pPr>
+            <a:r>
+              <a:rPr/>
+              <a:t>In the left menu pane, under </a:t>
+            </a:r>
+            <a:r>
+              <a:rPr b="1"/>
+              <a:t>Manage</a:t>
+            </a:r>
+            <a:r>
+              <a:rPr/>
+              <a:t>, select </a:t>
+            </a:r>
+            <a:r>
+              <a:rPr b="1"/>
+              <a:t>Members</a:t>
+            </a:r>
+            <a:r>
+              <a:rPr/>
+              <a:t>. The </a:t>
+            </a:r>
+            <a:r>
+              <a:rPr b="1"/>
+              <a:t>Members</a:t>
+            </a:r>
+            <a:r>
+              <a:rPr/>
+              <a:t> pane appears for your developer group.</a:t>
+            </a:r>
+          </a:p>
+          <a:p>
+            <a:pPr lvl="0" indent="-342900" marL="342900">
+              <a:buAutoNum type="arabicPeriod"/>
+            </a:pPr>
+            <a:r>
+              <a:rPr/>
+              <a:t>On the top menu bar, select </a:t>
+            </a:r>
+            <a:r>
+              <a:rPr b="1"/>
+              <a:t>Add members</a:t>
+            </a:r>
+            <a:r>
+              <a:rPr/>
+              <a:t>.</a:t>
+            </a:r>
+          </a:p>
+          <a:p>
+            <a:pPr lvl="1" indent="0" marL="342900">
+              <a:buNone/>
+            </a:pPr>
+            <a:r>
+              <a:rPr/>
+              <a:t>Screenshot that shows Add member button.</a:t>
+            </a:r>
+          </a:p>
+          <a:p>
+            <a:pPr lvl="1" indent="0" marL="342900">
+              <a:buNone/>
+            </a:pPr>
+            <a:r>
+              <a:rPr/>
+              <a:t>The </a:t>
+            </a:r>
+            <a:r>
+              <a:rPr b="1"/>
+              <a:t>Add members</a:t>
+            </a:r>
+            <a:r>
+              <a:rPr/>
+              <a:t> pane appears.</a:t>
+            </a:r>
+          </a:p>
+          <a:p>
+            <a:pPr lvl="0" indent="-342900" marL="342900">
+              <a:buAutoNum type="arabicPeriod"/>
+            </a:pPr>
+            <a:r>
+              <a:rPr/>
+              <a:t>Search for and select </a:t>
+            </a:r>
+            <a:r>
+              <a:rPr b="1"/>
+              <a:t>Chris Green</a:t>
+            </a:r>
+            <a:r>
+              <a:rPr/>
+              <a:t>.</a:t>
+            </a:r>
+          </a:p>
+          <a:p>
+            <a:pPr lvl="0" indent="-342900" marL="342900">
+              <a:buAutoNum type="arabicPeriod"/>
+            </a:pPr>
+            <a:r>
+              <a:rPr/>
+              <a:t>Select </a:t>
+            </a:r>
+            <a:r>
+              <a:rPr b="1"/>
+              <a:t>Select</a:t>
+            </a:r>
+            <a:r>
+              <a:rPr/>
+              <a:t>. You’ll see this user in the </a:t>
+            </a:r>
+            <a:r>
+              <a:rPr i="1"/>
+              <a:t>Direct members</a:t>
+            </a:r>
+            <a:r>
+              <a:rPr/>
+              <a:t> list for the Developers group in the </a:t>
+            </a:r>
+            <a:r>
+              <a:rPr b="1"/>
+              <a:t>Members</a:t>
+            </a:r>
+            <a:r>
+              <a:rPr/>
+              <a:t> pane.</a:t>
+            </a:r>
+          </a:p>
+        </p:txBody>
+      </p:sp>
+    </p:spTree>
+  </p:cSld>
+</p:sld>
+</file>
+
+<file path=ppt/slides/slide4.xml><?xml version="1.0" encoding="utf-8"?>
+<p:sld xmlns:a="http://schemas.openxmlformats.org/drawingml/2006/main" xmlns:r="http://schemas.openxmlformats.org/officeDocument/2006/relationships" xmlns:p="http://schemas.openxmlformats.org/presentationml/2006/main">
+  <p:cSld>
+    <p:spTree>
+      <p:nvGrpSpPr>
+        <p:cNvPr id="1" name=""/>
+        <p:cNvGrpSpPr/>
+        <p:nvPr/>
+      </p:nvGrpSpPr>
+      <p:grpSpPr>
+        <a:xfrm>
+          <a:off x="0" y="0"/>
+          <a:ext cx="0" cy="0"/>
+          <a:chOff x="0" y="0"/>
+          <a:chExt cx="0" cy="0"/>
+        </a:xfrm>
+      </p:grpSpPr>
+      <p:sp>
+        <p:nvSpPr>
+          <p:cNvPr id="2" name="Title 1"/>
+          <p:cNvSpPr>
+            <a:spLocks noGrp="1"/>
+          </p:cNvSpPr>
+          <p:nvPr>
+            <p:ph type="title"/>
+          </p:nvPr>
+        </p:nvSpPr>
+        <p:spPr/>
+        <p:txBody>
+          <a:bodyPr/>
+          <a:lstStyle/>
+          <a:p>
+            <a:pPr lvl="0" indent="0" marL="0">
+              <a:buNone/>
+            </a:pPr>
+            <a:r>
+              <a:rPr/>
+              <a:t>Modify the group to use dynamic assignment</a:t>
+            </a:r>
+          </a:p>
+        </p:txBody>
+      </p:sp>
+      <p:sp>
+        <p:nvSpPr>
+          <p:cNvPr id="3" name="Content Placeholder 2"/>
+          <p:cNvSpPr>
+            <a:spLocks noGrp="1"/>
+          </p:cNvSpPr>
+          <p:nvPr>
+            <p:ph idx="1"/>
+          </p:nvPr>
+        </p:nvSpPr>
+        <p:spPr/>
+        <p:txBody>
+          <a:bodyPr/>
+          <a:lstStyle/>
+          <a:p>
+            <a:pPr lvl="0" indent="0" marL="0">
+              <a:buNone/>
+            </a:pPr>
+            <a:r>
+              <a:rPr/>
+              <a:t>You can change the group to use dynamic assignment. Membership then depends on whether a user meets the rules you set for the group.</a:t>
+            </a:r>
+          </a:p>
+          <a:p>
+            <a:pPr lvl="0" indent="0" marL="0">
+              <a:buNone/>
+            </a:pPr>
+            <a:r>
+              <a:rPr/>
+              <a:t>If you didn’t activate the free trial for Azure AD Premium 2, you won’t be able to complete this section. That’s ok. You can still see how you change the group to use dynamic assignment.</a:t>
+            </a:r>
+          </a:p>
+          <a:p>
+            <a:pPr lvl="0" indent="-342900" marL="342900">
+              <a:buAutoNum type="arabicPeriod"/>
+            </a:pPr>
+            <a:r>
+              <a:rPr/>
+              <a:t>In the left menu pane, under </a:t>
+            </a:r>
+            <a:r>
+              <a:rPr b="1"/>
+              <a:t>Manage</a:t>
+            </a:r>
+            <a:r>
+              <a:rPr/>
+              <a:t>, select </a:t>
+            </a:r>
+            <a:r>
+              <a:rPr b="1"/>
+              <a:t>Properties</a:t>
+            </a:r>
+            <a:r>
+              <a:rPr/>
+              <a:t>. The </a:t>
+            </a:r>
+            <a:r>
+              <a:rPr b="1"/>
+              <a:t>Properties</a:t>
+            </a:r>
+            <a:r>
+              <a:rPr/>
+              <a:t> pane appears for your developer group.</a:t>
+            </a:r>
+          </a:p>
+          <a:p>
+            <a:pPr lvl="0" indent="-342900" marL="342900">
+              <a:buAutoNum type="arabicPeriod"/>
+            </a:pPr>
+            <a:r>
+              <a:rPr/>
+              <a:t>Change </a:t>
+            </a:r>
+            <a:r>
+              <a:rPr b="1"/>
+              <a:t>Membership type</a:t>
+            </a:r>
+            <a:r>
+              <a:rPr/>
+              <a:t> to </a:t>
+            </a:r>
+            <a:r>
+              <a:rPr b="1"/>
+              <a:t>Dynamic User</a:t>
+            </a:r>
+            <a:r>
+              <a:rPr/>
+              <a:t>.</a:t>
+            </a:r>
+          </a:p>
+          <a:p>
+            <a:pPr lvl="0" indent="-342900" marL="342900">
+              <a:buAutoNum type="arabicPeriod"/>
+            </a:pPr>
+            <a:r>
+              <a:rPr/>
+              <a:t>Under </a:t>
+            </a:r>
+            <a:r>
+              <a:rPr b="1"/>
+              <a:t>Dynamic user members</a:t>
+            </a:r>
+            <a:r>
+              <a:rPr/>
+              <a:t>, select the </a:t>
+            </a:r>
+            <a:r>
+              <a:rPr b="1"/>
+              <a:t>Add dynamic query</a:t>
+            </a:r>
+            <a:r>
+              <a:rPr/>
+              <a:t> link.</a:t>
+            </a:r>
+          </a:p>
+          <a:p>
+            <a:pPr lvl="1" indent="0" marL="342900">
+              <a:buNone/>
+            </a:pPr>
+            <a:r>
+              <a:rPr/>
+              <a:t>Screenshot that shows the Add dynamic query link.</a:t>
+            </a:r>
+          </a:p>
+          <a:p>
+            <a:pPr lvl="1" indent="0" marL="342900">
+              <a:buNone/>
+            </a:pPr>
+            <a:r>
+              <a:rPr/>
+              <a:t>The </a:t>
+            </a:r>
+            <a:r>
+              <a:rPr b="1"/>
+              <a:t>Dynamic membership rules</a:t>
+            </a:r>
+            <a:r>
+              <a:rPr/>
+              <a:t> pane appears.</a:t>
+            </a:r>
+          </a:p>
+          <a:p>
+            <a:pPr lvl="0" indent="-342900" marL="342900">
+              <a:buAutoNum type="arabicPeriod"/>
+            </a:pPr>
+            <a:r>
+              <a:rPr/>
+              <a:t>On the </a:t>
+            </a:r>
+            <a:r>
+              <a:rPr b="1"/>
+              <a:t>Configure Rules</a:t>
+            </a:r>
+            <a:r>
+              <a:rPr/>
+              <a:t> tab, select the following values for the rule:</a:t>
+            </a:r>
+          </a:p>
+          <a:p>
+            <a:pPr lvl="1" indent="0" marL="342900">
+              <a:buNone/>
+            </a:pPr>
+            <a:r>
+              <a:rPr/>
+              <a:t>Screenshot that shows how to assign a dynamic membership rule.</a:t>
+            </a:r>
+          </a:p>
+          <a:p>
+            <a:pPr lvl="1" indent="0" marL="342900">
+              <a:buNone/>
+            </a:pPr>
+            <a:r>
+              <a:rPr/>
+              <a:t>The membership of this group now depends on whether the user is in the United States.</a:t>
+            </a:r>
+          </a:p>
+          <a:p>
+            <a:pPr lvl="0" indent="-342900" marL="342900">
+              <a:buAutoNum type="arabicPeriod"/>
+            </a:pPr>
+            <a:r>
+              <a:rPr/>
+              <a:t>Select another field to enable </a:t>
+            </a:r>
+            <a:r>
+              <a:rPr b="1"/>
+              <a:t>Save</a:t>
+            </a:r>
+            <a:r>
+              <a:rPr/>
+              <a:t>.</a:t>
+            </a:r>
+          </a:p>
+          <a:p>
+            <a:pPr lvl="0" indent="-342900" marL="342900">
+              <a:buAutoNum type="arabicPeriod"/>
+            </a:pPr>
+            <a:r>
+              <a:rPr/>
+              <a:t>On the top menu bar, select </a:t>
+            </a:r>
+            <a:r>
+              <a:rPr b="1"/>
+              <a:t>Save</a:t>
+            </a:r>
+            <a:r>
+              <a:rPr/>
+              <a:t>. The </a:t>
+            </a:r>
+            <a:r>
+              <a:rPr b="1"/>
+              <a:t>Properties</a:t>
+            </a:r>
+            <a:r>
+              <a:rPr/>
+              <a:t> pane reappears for your developer group.</a:t>
+            </a:r>
+          </a:p>
+        </p:txBody>
+      </p:sp>
+    </p:spTree>
+  </p:cSld>
+</p:sld>
+</file>
+
+<file path=ppt/slides/slide5.xml><?xml version="1.0" encoding="utf-8"?>
+<p:sld xmlns:a="http://schemas.openxmlformats.org/drawingml/2006/main" xmlns:r="http://schemas.openxmlformats.org/officeDocument/2006/relationships" xmlns:p="http://schemas.openxmlformats.org/presentationml/2006/main">
+  <p:cSld>
+    <p:spTree>
+      <p:nvGrpSpPr>
+        <p:cNvPr id="1" name=""/>
+        <p:cNvGrpSpPr/>
+        <p:nvPr/>
+      </p:nvGrpSpPr>
+      <p:grpSpPr>
+        <a:xfrm>
+          <a:off x="0" y="0"/>
+          <a:ext cx="0" cy="0"/>
+          <a:chOff x="0" y="0"/>
+          <a:chExt cx="0" cy="0"/>
+        </a:xfrm>
+      </p:grpSpPr>
+      <p:sp>
+        <p:nvSpPr>
+          <p:cNvPr id="2" name="Title 1"/>
+          <p:cNvSpPr>
+            <a:spLocks noGrp="1"/>
+          </p:cNvSpPr>
+          <p:nvPr>
+            <p:ph type="title"/>
+          </p:nvPr>
+        </p:nvSpPr>
+        <p:spPr/>
+        <p:txBody>
+          <a:bodyPr/>
+          <a:lstStyle/>
+          <a:p>
+            <a:pPr lvl="0" indent="0" marL="0">
+              <a:buNone/>
+            </a:pPr>
+            <a:r>
+              <a:rPr/>
+              <a:t>Change group back to assigned</a:t>
+            </a:r>
+          </a:p>
+        </p:txBody>
+      </p:sp>
+      <p:sp>
+        <p:nvSpPr>
+          <p:cNvPr id="3" name="Content Placeholder 2"/>
+          <p:cNvSpPr>
+            <a:spLocks noGrp="1"/>
+          </p:cNvSpPr>
+          <p:nvPr>
+            <p:ph idx="1"/>
+          </p:nvPr>
+        </p:nvSpPr>
+        <p:spPr/>
+        <p:txBody>
+          <a:bodyPr/>
+          <a:lstStyle/>
+          <a:p>
+            <a:pPr lvl="0" indent="0" marL="0">
+              <a:buNone/>
+            </a:pPr>
+            <a:r>
+              <a:rPr/>
+              <a:t>You’ll need to assign a guest user to the Developer group in the next exercise, so let’s change the membership type back to </a:t>
+            </a:r>
+            <a:r>
+              <a:rPr b="1"/>
+              <a:t>Assigned</a:t>
+            </a:r>
+            <a:r>
+              <a:rPr/>
+              <a:t>.</a:t>
+            </a:r>
+          </a:p>
+          <a:p>
+            <a:pPr lvl="0" indent="-342900" marL="342900">
+              <a:buAutoNum type="arabicPeriod"/>
+            </a:pPr>
+            <a:r>
+              <a:rPr/>
+              <a:t>Change </a:t>
+            </a:r>
+            <a:r>
+              <a:rPr b="1"/>
+              <a:t>Membership type</a:t>
+            </a:r>
+            <a:r>
+              <a:rPr/>
+              <a:t> to </a:t>
+            </a:r>
+            <a:r>
+              <a:rPr b="1"/>
+              <a:t>Assigned</a:t>
+            </a:r>
+            <a:r>
+              <a:rPr/>
+              <a:t>.</a:t>
+            </a:r>
+          </a:p>
+          <a:p>
+            <a:pPr lvl="0" indent="-342900" marL="342900">
+              <a:buAutoNum type="arabicPeriod"/>
+            </a:pPr>
+            <a:r>
+              <a:rPr/>
+              <a:t>On the top menu bar, select </a:t>
+            </a:r>
+            <a:r>
+              <a:rPr b="1"/>
+              <a:t>Save</a:t>
+            </a:r>
+            <a:r>
+              <a:rPr/>
+              <a:t>.</a:t>
+            </a:r>
+          </a:p>
+        </p:txBody>
+      </p:sp>
+    </p:spTree>
+  </p:cSld>
+</p:sld>
+</file>
+
+<file path=ppt/slides/slide6.xml><?xml version="1.0" encoding="utf-8"?>
+<p:sld xmlns:a="http://schemas.openxmlformats.org/drawingml/2006/main" xmlns:r="http://schemas.openxmlformats.org/officeDocument/2006/relationships" xmlns:p="http://schemas.openxmlformats.org/presentationml/2006/main">
+  <p:cSld>
+    <p:spTree>
+      <p:nvGrpSpPr>
+        <p:cNvPr id="1" name=""/>
+        <p:cNvGrpSpPr/>
+        <p:nvPr/>
+      </p:nvGrpSpPr>
+      <p:grpSpPr>
+        <a:xfrm>
+          <a:off x="0" y="0"/>
+          <a:ext cx="0" cy="0"/>
+          <a:chOff x="0" y="0"/>
+          <a:chExt cx="0" cy="0"/>
+        </a:xfrm>
+      </p:grpSpPr>
+      <p:sp>
+        <p:nvSpPr>
+          <p:cNvPr id="2" name="Title 1"/>
+          <p:cNvSpPr>
+            <a:spLocks noGrp="1"/>
+          </p:cNvSpPr>
+          <p:nvPr>
+            <p:ph type="title"/>
+          </p:nvPr>
+        </p:nvSpPr>
+        <p:spPr/>
+        <p:txBody>
+          <a:bodyPr/>
+          <a:lstStyle/>
+          <a:p>
+            <a:pPr lvl="0" indent="0" marL="0">
+              <a:buNone/>
+            </a:pPr>
+            <a:r>
+              <a:rPr/>
+              <a:t>Next unit: Collaborate by using guest accounts and Azure Active Directory B2B</a:t>
+            </a:r>
+          </a:p>
+        </p:txBody>
+      </p:sp>
+      <p:sp>
+        <p:nvSpPr>
+          <p:cNvPr id="3" name="Content Placeholder 2"/>
+          <p:cNvSpPr>
+            <a:spLocks noGrp="1"/>
+          </p:cNvSpPr>
+          <p:nvPr>
+            <p:ph idx="1"/>
+          </p:nvPr>
+        </p:nvSpPr>
+        <p:spPr/>
+        <p:txBody>
+          <a:bodyPr/>
+          <a:lstStyle/>
+          <a:p>
+            <a:pPr lvl="0" indent="0" marL="0">
+              <a:buNone/>
+            </a:pPr>
+            <a:r>
+              <a:rPr>
+                <a:hlinkClick r:id="rId2"/>
+              </a:rPr>
+              <a:t>Continue</a:t>
+            </a:r>
+          </a:p>
+          <a:p>
+            <a:pPr lvl="0" indent="0" marL="0">
+              <a:buNone/>
+            </a:pPr>
+            <a:r>
+              <a:rPr/>
+              <a:t>Need help? See our </a:t>
+            </a:r>
+            <a:r>
+              <a:rPr>
+                <a:hlinkClick r:id="rId3"/>
+              </a:rPr>
+              <a:t>troubleshooting guide</a:t>
+            </a:r>
+            <a:r>
+              <a:rPr/>
+              <a:t> or provide specific feedback by </a:t>
+            </a:r>
+            <a:r>
+              <a:rPr>
+                <a:hlinkClick r:id="rId4"/>
+              </a:rPr>
+              <a:t>reporting an issue</a:t>
+            </a:r>
+            <a:r>
+              <a:rPr/>
+              <a:t>.</a:t>
+            </a:r>
+          </a:p>
+        </p:txBody>
+      </p:sp>
+    </p:spTree>
+  </p:cSld>
 </p:sld>
 </file>
 
@@ -3467,4 +4392,265 @@
   </a:objectDefaults>
   <a:extraClrSchemeLst/>
 </a:theme>
+</file>
+
+<file path=ppt/theme/theme2.xml><?xml version="1.0" encoding="utf-8"?>
+<a:theme xmlns:a="http://schemas.openxmlformats.org/drawingml/2006/main" name="Office Theme">
+  <a:themeElements>
+    <a:clrScheme name="Office">
+      <a:dk1>
+        <a:sysClr val="windowText" lastClr="000000"/>
+      </a:dk1>
+      <a:lt1>
+        <a:sysClr val="window" lastClr="FFFFFF"/>
+      </a:lt1>
+      <a:dk2>
+        <a:srgbClr val="44546A"/>
+      </a:dk2>
+      <a:lt2>
+        <a:srgbClr val="E7E6E6"/>
+      </a:lt2>
+      <a:accent1>
+        <a:srgbClr val="5B9BD5"/>
+      </a:accent1>
+      <a:accent2>
+        <a:srgbClr val="ED7D31"/>
+      </a:accent2>
+      <a:accent3>
+        <a:srgbClr val="A5A5A5"/>
+      </a:accent3>
+      <a:accent4>
+        <a:srgbClr val="FFC000"/>
+      </a:accent4>
+      <a:accent5>
+        <a:srgbClr val="4472C4"/>
+      </a:accent5>
+      <a:accent6>
+        <a:srgbClr val="70AD47"/>
+      </a:accent6>
+      <a:hlink>
+        <a:srgbClr val="0563C1"/>
+      </a:hlink>
+      <a:folHlink>
+        <a:srgbClr val="954F72"/>
+      </a:folHlink>
+    </a:clrScheme>
+    <a:fontScheme name="Office">
+      <a:majorFont>
+        <a:latin typeface="Calibri Light" panose="020F0302020204030204"/>
+        <a:ea typeface=""/>
+        <a:cs typeface=""/>
+        <a:font script="Jpan" typeface="ＭＳ Ｐゴシック"/>
+        <a:font script="Hang" typeface="맑은 고딕"/>
+        <a:font script="Hans" typeface="宋体"/>
+        <a:font script="Hant" typeface="新細明體"/>
+        <a:font script="Arab" typeface="Times New Roman"/>
+        <a:font script="Hebr" typeface="Times New Roman"/>
+        <a:font script="Thai" typeface="Angsana New"/>
+        <a:font script="Ethi" typeface="Nyala"/>
+        <a:font script="Beng" typeface="Vrinda"/>
+        <a:font script="Gujr" typeface="Shruti"/>
+        <a:font script="Khmr" typeface="MoolBoran"/>
+        <a:font script="Knda" typeface="Tunga"/>
+        <a:font script="Guru" typeface="Raavi"/>
+        <a:font script="Cans" typeface="Euphemia"/>
+        <a:font script="Cher" typeface="Plantagenet Cherokee"/>
+        <a:font script="Yiii" typeface="Microsoft Yi Baiti"/>
+        <a:font script="Tibt" typeface="Microsoft Himalaya"/>
+        <a:font script="Thaa" typeface="MV Boli"/>
+        <a:font script="Deva" typeface="Mangal"/>
+        <a:font script="Telu" typeface="Gautami"/>
+        <a:font script="Taml" typeface="Latha"/>
+        <a:font script="Syrc" typeface="Estrangelo Edessa"/>
+        <a:font script="Orya" typeface="Kalinga"/>
+        <a:font script="Mlym" typeface="Kartika"/>
+        <a:font script="Laoo" typeface="DokChampa"/>
+        <a:font script="Sinh" typeface="Iskoola Pota"/>
+        <a:font script="Mong" typeface="Mongolian Baiti"/>
+        <a:font script="Viet" typeface="Times New Roman"/>
+        <a:font script="Uigh" typeface="Microsoft Uighur"/>
+        <a:font script="Geor" typeface="Sylfaen"/>
+      </a:majorFont>
+      <a:minorFont>
+        <a:latin typeface="Calibri" panose="020F0502020204030204"/>
+        <a:ea typeface=""/>
+        <a:cs typeface=""/>
+        <a:font script="Jpan" typeface="ＭＳ Ｐゴシック"/>
+        <a:font script="Hang" typeface="맑은 고딕"/>
+        <a:font script="Hans" typeface="宋体"/>
+        <a:font script="Hant" typeface="新細明體"/>
+        <a:font script="Arab" typeface="Arial"/>
+        <a:font script="Hebr" typeface="Arial"/>
+        <a:font script="Thai" typeface="Cordia New"/>
+        <a:font script="Ethi" typeface="Nyala"/>
+        <a:font script="Beng" typeface="Vrinda"/>
+        <a:font script="Gujr" typeface="Shruti"/>
+        <a:font script="Khmr" typeface="DaunPenh"/>
+        <a:font script="Knda" typeface="Tunga"/>
+        <a:font script="Guru" typeface="Raavi"/>
+        <a:font script="Cans" typeface="Euphemia"/>
+        <a:font script="Cher" typeface="Plantagenet Cherokee"/>
+        <a:font script="Yiii" typeface="Microsoft Yi Baiti"/>
+        <a:font script="Tibt" typeface="Microsoft Himalaya"/>
+        <a:font script="Thaa" typeface="MV Boli"/>
+        <a:font script="Deva" typeface="Mangal"/>
+        <a:font script="Telu" typeface="Gautami"/>
+        <a:font script="Taml" typeface="Latha"/>
+        <a:font script="Syrc" typeface="Estrangelo Edessa"/>
+        <a:font script="Orya" typeface="Kalinga"/>
+        <a:font script="Mlym" typeface="Kartika"/>
+        <a:font script="Laoo" typeface="DokChampa"/>
+        <a:font script="Sinh" typeface="Iskoola Pota"/>
+        <a:font script="Mong" typeface="Mongolian Baiti"/>
+        <a:font script="Viet" typeface="Arial"/>
+        <a:font script="Uigh" typeface="Microsoft Uighur"/>
+        <a:font script="Geor" typeface="Sylfaen"/>
+      </a:minorFont>
+    </a:fontScheme>
+    <a:fmtScheme name="Office">
+      <a:fillStyleLst>
+        <a:solidFill>
+          <a:schemeClr val="phClr"/>
+        </a:solidFill>
+        <a:gradFill rotWithShape="1">
+          <a:gsLst>
+            <a:gs pos="0">
+              <a:schemeClr val="phClr">
+                <a:lumMod val="110000"/>
+                <a:satMod val="105000"/>
+                <a:tint val="67000"/>
+              </a:schemeClr>
+            </a:gs>
+            <a:gs pos="50000">
+              <a:schemeClr val="phClr">
+                <a:lumMod val="105000"/>
+                <a:satMod val="103000"/>
+                <a:tint val="73000"/>
+              </a:schemeClr>
+            </a:gs>
+            <a:gs pos="100000">
+              <a:schemeClr val="phClr">
+                <a:lumMod val="105000"/>
+                <a:satMod val="109000"/>
+                <a:tint val="81000"/>
+              </a:schemeClr>
+            </a:gs>
+          </a:gsLst>
+          <a:lin ang="5400000" scaled="0"/>
+        </a:gradFill>
+        <a:gradFill rotWithShape="1">
+          <a:gsLst>
+            <a:gs pos="0">
+              <a:schemeClr val="phClr">
+                <a:satMod val="103000"/>
+                <a:lumMod val="102000"/>
+                <a:tint val="94000"/>
+              </a:schemeClr>
+            </a:gs>
+            <a:gs pos="50000">
+              <a:schemeClr val="phClr">
+                <a:satMod val="110000"/>
+                <a:lumMod val="100000"/>
+                <a:shade val="100000"/>
+              </a:schemeClr>
+            </a:gs>
+            <a:gs pos="100000">
+              <a:schemeClr val="phClr">
+                <a:lumMod val="99000"/>
+                <a:satMod val="120000"/>
+                <a:shade val="78000"/>
+              </a:schemeClr>
+            </a:gs>
+          </a:gsLst>
+          <a:lin ang="5400000" scaled="0"/>
+        </a:gradFill>
+      </a:fillStyleLst>
+      <a:lnStyleLst>
+        <a:ln w="6350" cap="flat" cmpd="sng" algn="ctr">
+          <a:solidFill>
+            <a:schemeClr val="phClr"/>
+          </a:solidFill>
+          <a:prstDash val="solid"/>
+          <a:miter lim="800000"/>
+        </a:ln>
+        <a:ln w="12700" cap="flat" cmpd="sng" algn="ctr">
+          <a:solidFill>
+            <a:schemeClr val="phClr"/>
+          </a:solidFill>
+          <a:prstDash val="solid"/>
+          <a:miter lim="800000"/>
+        </a:ln>
+        <a:ln w="19050" cap="flat" cmpd="sng" algn="ctr">
+          <a:solidFill>
+            <a:schemeClr val="phClr"/>
+          </a:solidFill>
+          <a:prstDash val="solid"/>
+          <a:miter lim="800000"/>
+        </a:ln>
+      </a:lnStyleLst>
+      <a:effectStyleLst>
+        <a:effectStyle>
+          <a:effectLst/>
+        </a:effectStyle>
+        <a:effectStyle>
+          <a:effectLst/>
+        </a:effectStyle>
+        <a:effectStyle>
+          <a:effectLst>
+            <a:outerShdw blurRad="57150" dist="19050" dir="5400000" algn="ctr" rotWithShape="0">
+              <a:srgbClr val="000000">
+                <a:alpha val="63000"/>
+              </a:srgbClr>
+            </a:outerShdw>
+          </a:effectLst>
+        </a:effectStyle>
+      </a:effectStyleLst>
+      <a:bgFillStyleLst>
+        <a:solidFill>
+          <a:schemeClr val="phClr"/>
+        </a:solidFill>
+        <a:solidFill>
+          <a:schemeClr val="phClr">
+            <a:tint val="95000"/>
+            <a:satMod val="170000"/>
+          </a:schemeClr>
+        </a:solidFill>
+        <a:gradFill rotWithShape="1">
+          <a:gsLst>
+            <a:gs pos="0">
+              <a:schemeClr val="phClr">
+                <a:tint val="93000"/>
+                <a:satMod val="150000"/>
+                <a:shade val="98000"/>
+                <a:lumMod val="102000"/>
+              </a:schemeClr>
+            </a:gs>
+            <a:gs pos="50000">
+              <a:schemeClr val="phClr">
+                <a:tint val="98000"/>
+                <a:satMod val="130000"/>
+                <a:shade val="90000"/>
+                <a:lumMod val="103000"/>
+              </a:schemeClr>
+            </a:gs>
+            <a:gs pos="100000">
+              <a:schemeClr val="phClr">
+                <a:shade val="63000"/>
+                <a:satMod val="120000"/>
+              </a:schemeClr>
+            </a:gs>
+          </a:gsLst>
+          <a:lin ang="5400000" scaled="0"/>
+        </a:gradFill>
+      </a:bgFillStyleLst>
+    </a:fmtScheme>
+  </a:themeElements>
+  <a:objectDefaults/>
+  <a:extraClrSchemeLst/>
+  <a:extLst>
+    <a:ext uri="{05A4C25C-085E-4340-85A3-A5531E510DB2}">
+      <thm15:themeFamily xmlns:thm15="http://schemas.microsoft.com/office/thememl/2012/main" name="Office Theme" id="{62F939B6-93AF-4DB8-9C6B-D6C7DFDC589F}" vid="{4A3C46E8-61CC-4603-A589-7422A47A8E4A}"/>
+    </a:ext>
+  </a:extLst>
+</a:theme>
 </file>